--- a/Docs/SUREPresentation.pptx
+++ b/Docs/SUREPresentation.pptx
@@ -83,7 +83,7 @@
         <p:txBody>
           <a:bodyPr/>
           <a:p>
-            <a:fld id="{D6386FB0-103C-4150-8443-EC8067015B9E}" type="slidenum">
+            <a:fld id="{3EB652EB-40DF-4B9A-BE4F-6901F9FF1A3C}" type="slidenum">
               <a:t>&lt;#&gt;</a:t>
             </a:fld>
           </a:p>
@@ -271,7 +271,7 @@
         <p:txBody>
           <a:bodyPr/>
           <a:p>
-            <a:fld id="{282CE315-E570-4B5B-8A12-7206D8A835B6}" type="slidenum">
+            <a:fld id="{B3E9A645-3245-456C-BF38-B85262B3A923}" type="slidenum">
               <a:t>&lt;#&gt;</a:t>
             </a:fld>
           </a:p>
@@ -527,7 +527,7 @@
         <p:txBody>
           <a:bodyPr/>
           <a:p>
-            <a:fld id="{C929D6E1-FCE7-4D49-ABFE-FFAD0F6D9BEB}" type="slidenum">
+            <a:fld id="{A0EE059A-5C79-4E8B-A805-0778CA5A61A4}" type="slidenum">
               <a:t>&lt;#&gt;</a:t>
             </a:fld>
           </a:p>
@@ -851,7 +851,7 @@
         <p:txBody>
           <a:bodyPr/>
           <a:p>
-            <a:fld id="{4B04962F-CD17-433F-BD48-8CEE1ADC19C7}" type="slidenum">
+            <a:fld id="{A7942980-8B40-4378-B654-7236DADE3FDD}" type="slidenum">
               <a:t>&lt;#&gt;</a:t>
             </a:fld>
           </a:p>
@@ -1912,7 +1912,7 @@
         <p:txBody>
           <a:bodyPr/>
           <a:p>
-            <a:fld id="{658FA65E-C013-421A-B894-671D480A110E}" type="slidenum">
+            <a:fld id="{64CDF001-6788-4161-8AA7-3E3812D42F82}" type="slidenum">
               <a:t>&lt;#&gt;</a:t>
             </a:fld>
           </a:p>
@@ -3780,7 +3780,7 @@
         <p:txBody>
           <a:bodyPr/>
           <a:p>
-            <a:fld id="{98E7B53F-617E-47A3-A545-73B210CF969E}" type="slidenum">
+            <a:fld id="{F10F5827-AFBD-4D6E-8F51-9BBADE950142}" type="slidenum">
               <a:t>&lt;#&gt;</a:t>
             </a:fld>
           </a:p>
@@ -5716,7 +5716,7 @@
         <p:txBody>
           <a:bodyPr/>
           <a:p>
-            <a:fld id="{964F3AD6-DAF9-4CCC-BA5A-917D5F727783}" type="slidenum">
+            <a:fld id="{BA24D98C-C3D5-440F-A500-387A12D263B8}" type="slidenum">
               <a:t>&lt;#&gt;</a:t>
             </a:fld>
           </a:p>
@@ -7518,7 +7518,7 @@
         <p:txBody>
           <a:bodyPr/>
           <a:p>
-            <a:fld id="{15B93202-8650-41CD-923A-C4DD3CF2050D}" type="slidenum">
+            <a:fld id="{069760E6-B535-4F6F-8E65-F8A56B0DC94A}" type="slidenum">
               <a:t>&lt;#&gt;</a:t>
             </a:fld>
           </a:p>
@@ -7638,7 +7638,7 @@
         <p:txBody>
           <a:bodyPr/>
           <a:p>
-            <a:fld id="{0C4908C8-0B91-449C-981F-1785C7B6D2FF}" type="slidenum">
+            <a:fld id="{3AFEB09E-51D4-45F7-B0A5-5694A787EF68}" type="slidenum">
               <a:t>&lt;#&gt;</a:t>
             </a:fld>
           </a:p>
@@ -7860,7 +7860,7 @@
         <p:txBody>
           <a:bodyPr/>
           <a:p>
-            <a:fld id="{08555B06-7770-4973-BE17-C3F426B06401}" type="slidenum">
+            <a:fld id="{5493D786-3142-4E48-86B0-7A0BD514C96E}" type="slidenum">
               <a:t>&lt;#&gt;</a:t>
             </a:fld>
           </a:p>
@@ -8082,7 +8082,7 @@
         <p:txBody>
           <a:bodyPr/>
           <a:p>
-            <a:fld id="{BA9084C9-F10A-4BD6-94B0-8CCC67FEE536}" type="slidenum">
+            <a:fld id="{446BEC43-DE1F-4520-A703-2BC37C2968D7}" type="slidenum">
               <a:t>&lt;#&gt;</a:t>
             </a:fld>
           </a:p>
@@ -8304,7 +8304,7 @@
         <p:txBody>
           <a:bodyPr/>
           <a:p>
-            <a:fld id="{68C2A42D-80F1-43E4-A5F7-12EF46FC4C42}" type="slidenum">
+            <a:fld id="{EECAE2AD-D150-4825-A78B-57547E57E137}" type="slidenum">
               <a:t>&lt;#&gt;</a:t>
             </a:fld>
           </a:p>
@@ -8362,7 +8362,7 @@
         <p:spPr>
           <a:xfrm>
             <a:off x="0" y="0"/>
-            <a:ext cx="10078200" cy="5668200"/>
+            <a:ext cx="10077840" cy="5667840"/>
           </a:xfrm>
           <a:prstGeom prst="rect">
             <a:avLst/>
@@ -8390,7 +8390,7 @@
         <p:spPr>
           <a:xfrm>
             <a:off x="0" y="0"/>
-            <a:ext cx="10078200" cy="3778200"/>
+            <a:ext cx="10077840" cy="3777840"/>
           </a:xfrm>
           <a:prstGeom prst="rect">
             <a:avLst/>
@@ -8425,7 +8425,7 @@
         <p:spPr>
           <a:xfrm>
             <a:off x="3420000" y="5400000"/>
-            <a:ext cx="3238200" cy="268200"/>
+            <a:ext cx="3237840" cy="267840"/>
           </a:xfrm>
           <a:prstGeom prst="rect">
             <a:avLst/>
@@ -8488,7 +8488,7 @@
         <p:spPr>
           <a:xfrm>
             <a:off x="9180000" y="5130000"/>
-            <a:ext cx="718200" cy="538200"/>
+            <a:ext cx="717840" cy="537840"/>
           </a:xfrm>
           <a:prstGeom prst="rect">
             <a:avLst/>
@@ -8523,7 +8523,7 @@
               </a:lnSpc>
               <a:buNone/>
             </a:pPr>
-            <a:fld id="{2BCEFA04-D9CF-48FE-92F5-CBD1A73A65ED}" type="slidenum">
+            <a:fld id="{FA444F5E-883E-4224-8049-1199B2452F75}" type="slidenum">
               <a:rPr b="1" lang="en-US" sz="1800" spc="-1" strike="noStrike">
                 <a:solidFill>
                   <a:srgbClr val="ffffff"/>
@@ -8551,7 +8551,7 @@
         <p:spPr>
           <a:xfrm>
             <a:off x="360000" y="5400000"/>
-            <a:ext cx="2878200" cy="268200"/>
+            <a:ext cx="2877840" cy="267840"/>
           </a:xfrm>
           <a:prstGeom prst="rect">
             <a:avLst/>
@@ -8857,7 +8857,7 @@
         <p:spPr>
           <a:xfrm>
             <a:off x="0" y="5400000"/>
-            <a:ext cx="10078200" cy="268200"/>
+            <a:ext cx="10077840" cy="267840"/>
           </a:xfrm>
           <a:prstGeom prst="rect">
             <a:avLst/>
@@ -8885,7 +8885,7 @@
         <p:spPr>
           <a:xfrm>
             <a:off x="0" y="0"/>
-            <a:ext cx="10078200" cy="1213200"/>
+            <a:ext cx="10077840" cy="1212840"/>
           </a:xfrm>
           <a:prstGeom prst="rect">
             <a:avLst/>
@@ -8913,7 +8913,7 @@
         <p:spPr>
           <a:xfrm>
             <a:off x="9315000" y="5175000"/>
-            <a:ext cx="448200" cy="448200"/>
+            <a:ext cx="447840" cy="447840"/>
           </a:xfrm>
           <a:prstGeom prst="ellipse">
             <a:avLst/>
@@ -8944,7 +8944,7 @@
         <p:spPr>
           <a:xfrm>
             <a:off x="9180000" y="5130000"/>
-            <a:ext cx="718200" cy="538200"/>
+            <a:ext cx="717840" cy="537840"/>
           </a:xfrm>
           <a:prstGeom prst="rect">
             <a:avLst/>
@@ -8971,7 +8971,7 @@
               </a:lnSpc>
               <a:buNone/>
             </a:pPr>
-            <a:fld id="{50DB2F6B-5367-4240-8B01-CA65AA420F17}" type="slidenum">
+            <a:fld id="{1CDBAEEC-5D84-4D4A-908C-91D3E773068F}" type="slidenum">
               <a:rPr b="1" lang="en-US" sz="1800" spc="-1" strike="noStrike">
                 <a:solidFill>
                   <a:srgbClr val="ffffff"/>
@@ -9040,7 +9040,7 @@
         <p:spPr>
           <a:xfrm>
             <a:off x="3420000" y="5400000"/>
-            <a:ext cx="3238200" cy="268200"/>
+            <a:ext cx="3237840" cy="267840"/>
           </a:xfrm>
           <a:prstGeom prst="rect">
             <a:avLst/>
@@ -9103,7 +9103,7 @@
         <p:spPr>
           <a:xfrm>
             <a:off x="360000" y="5400000"/>
-            <a:ext cx="2878200" cy="268200"/>
+            <a:ext cx="2877840" cy="267840"/>
           </a:xfrm>
           <a:prstGeom prst="rect">
             <a:avLst/>
@@ -9366,7 +9366,7 @@
         <p:spPr>
           <a:xfrm>
             <a:off x="0" y="5400000"/>
-            <a:ext cx="10078200" cy="268200"/>
+            <a:ext cx="10077840" cy="267840"/>
           </a:xfrm>
           <a:prstGeom prst="rect">
             <a:avLst/>
@@ -9394,7 +9394,7 @@
         <p:spPr>
           <a:xfrm>
             <a:off x="0" y="0"/>
-            <a:ext cx="10078200" cy="1213200"/>
+            <a:ext cx="10077840" cy="1212840"/>
           </a:xfrm>
           <a:prstGeom prst="rect">
             <a:avLst/>
@@ -9422,7 +9422,7 @@
         <p:spPr>
           <a:xfrm>
             <a:off x="9315000" y="5175000"/>
-            <a:ext cx="448200" cy="448200"/>
+            <a:ext cx="447840" cy="447840"/>
           </a:xfrm>
           <a:prstGeom prst="ellipse">
             <a:avLst/>
@@ -9453,7 +9453,7 @@
         <p:spPr>
           <a:xfrm>
             <a:off x="9180000" y="5130000"/>
-            <a:ext cx="718200" cy="538200"/>
+            <a:ext cx="717840" cy="537840"/>
           </a:xfrm>
           <a:prstGeom prst="rect">
             <a:avLst/>
@@ -9480,7 +9480,7 @@
               </a:lnSpc>
               <a:buNone/>
             </a:pPr>
-            <a:fld id="{9D77203B-E94B-4ED7-9D3B-EB423E63F0D8}" type="slidenum">
+            <a:fld id="{EEB1CF33-A1B6-4CE0-BEE7-47E13FFA4C9E}" type="slidenum">
               <a:rPr b="1" lang="en-US" sz="1800" spc="-1" strike="noStrike">
                 <a:solidFill>
                   <a:srgbClr val="ffffff"/>
@@ -9509,7 +9509,7 @@
         <p:spPr>
           <a:xfrm>
             <a:off x="3420000" y="5400000"/>
-            <a:ext cx="3238200" cy="268200"/>
+            <a:ext cx="3237840" cy="267840"/>
           </a:xfrm>
           <a:prstGeom prst="rect">
             <a:avLst/>
@@ -9572,7 +9572,7 @@
         <p:spPr>
           <a:xfrm>
             <a:off x="360000" y="5400000"/>
-            <a:ext cx="2878200" cy="268200"/>
+            <a:ext cx="2877840" cy="267840"/>
           </a:xfrm>
           <a:prstGeom prst="rect">
             <a:avLst/>
@@ -9878,7 +9878,7 @@
         <p:spPr>
           <a:xfrm>
             <a:off x="0" y="5400000"/>
-            <a:ext cx="10078200" cy="268200"/>
+            <a:ext cx="10077840" cy="267840"/>
           </a:xfrm>
           <a:prstGeom prst="rect">
             <a:avLst/>
@@ -9906,7 +9906,7 @@
         <p:spPr>
           <a:xfrm>
             <a:off x="0" y="0"/>
-            <a:ext cx="10078200" cy="1213200"/>
+            <a:ext cx="10077840" cy="1212840"/>
           </a:xfrm>
           <a:prstGeom prst="rect">
             <a:avLst/>
@@ -9934,7 +9934,7 @@
         <p:spPr>
           <a:xfrm>
             <a:off x="9315000" y="5175000"/>
-            <a:ext cx="448200" cy="448200"/>
+            <a:ext cx="447840" cy="447840"/>
           </a:xfrm>
           <a:prstGeom prst="ellipse">
             <a:avLst/>
@@ -9965,7 +9965,7 @@
         <p:spPr>
           <a:xfrm>
             <a:off x="9180000" y="5130000"/>
-            <a:ext cx="718200" cy="538200"/>
+            <a:ext cx="717840" cy="537840"/>
           </a:xfrm>
           <a:prstGeom prst="rect">
             <a:avLst/>
@@ -9992,7 +9992,7 @@
               </a:lnSpc>
               <a:buNone/>
             </a:pPr>
-            <a:fld id="{539C1E0A-2D9E-4D2E-B822-AAFA1B8089CD}" type="slidenum">
+            <a:fld id="{FAAB0E76-CFBC-492C-ACBB-E2F8B59BCEE1}" type="slidenum">
               <a:rPr b="1" lang="en-US" sz="1800" spc="-1" strike="noStrike">
                 <a:solidFill>
                   <a:srgbClr val="ffffff"/>
@@ -10021,7 +10021,7 @@
         <p:spPr>
           <a:xfrm>
             <a:off x="3420000" y="5400000"/>
-            <a:ext cx="3238200" cy="268200"/>
+            <a:ext cx="3237840" cy="267840"/>
           </a:xfrm>
           <a:prstGeom prst="rect">
             <a:avLst/>
@@ -10084,7 +10084,7 @@
         <p:spPr>
           <a:xfrm>
             <a:off x="360000" y="5400000"/>
-            <a:ext cx="2878200" cy="268200"/>
+            <a:ext cx="2877840" cy="267840"/>
           </a:xfrm>
           <a:prstGeom prst="rect">
             <a:avLst/>
@@ -10394,7 +10394,7 @@
         <p:spPr>
           <a:xfrm>
             <a:off x="360000" y="225720"/>
-            <a:ext cx="9358200" cy="2744640"/>
+            <a:ext cx="9357840" cy="2744280"/>
           </a:xfrm>
           <a:prstGeom prst="rect">
             <a:avLst/>
@@ -10440,7 +10440,7 @@
         <p:spPr>
           <a:xfrm>
             <a:off x="504000" y="4071960"/>
-            <a:ext cx="9070560" cy="1184760"/>
+            <a:ext cx="9070200" cy="1184400"/>
           </a:xfrm>
           <a:prstGeom prst="rect">
             <a:avLst/>
@@ -10539,7 +10539,7 @@
         <p:spPr>
           <a:xfrm>
             <a:off x="360000" y="225720"/>
-            <a:ext cx="9358200" cy="717120"/>
+            <a:ext cx="9357840" cy="716760"/>
           </a:xfrm>
           <a:prstGeom prst="rect">
             <a:avLst/>
@@ -10588,7 +10588,7 @@
         <p:spPr>
           <a:xfrm>
             <a:off x="360000" y="1485000"/>
-            <a:ext cx="9358200" cy="3778200"/>
+            <a:ext cx="9357840" cy="3777840"/>
           </a:xfrm>
           <a:prstGeom prst="rect">
             <a:avLst/>
@@ -10758,7 +10758,7 @@
         <p:spPr>
           <a:xfrm>
             <a:off x="360000" y="225720"/>
-            <a:ext cx="9358200" cy="717120"/>
+            <a:ext cx="9357840" cy="716760"/>
           </a:xfrm>
           <a:prstGeom prst="rect">
             <a:avLst/>
@@ -10837,7 +10837,7 @@
         <p:spPr>
           <a:xfrm>
             <a:off x="360000" y="225720"/>
-            <a:ext cx="9358200" cy="717120"/>
+            <a:ext cx="9357840" cy="716760"/>
           </a:xfrm>
           <a:prstGeom prst="rect">
             <a:avLst/>
@@ -10886,7 +10886,7 @@
         <p:spPr>
           <a:xfrm>
             <a:off x="360000" y="1485000"/>
-            <a:ext cx="9358200" cy="3778200"/>
+            <a:ext cx="9357840" cy="3777840"/>
           </a:xfrm>
           <a:prstGeom prst="rect">
             <a:avLst/>
@@ -10944,7 +10944,7 @@
               <a:rPr b="0" lang="en-US" sz="2480" spc="-1" strike="noStrike">
                 <a:latin typeface="Arial"/>
               </a:rPr>
-              <a:t>These techniques can possibly then be used on pseudo-trees to more easily calculate their Picard Groups and Jacobians as they are less trivial. </a:t>
+              <a:t>These techniques can then be used on pseudo-trees to more easily calculate their Picard Groups and Jacobians as they are less trivial. </a:t>
             </a:r>
             <a:endParaRPr b="0" lang="en-US" sz="2480" spc="-1" strike="noStrike">
               <a:latin typeface="Arial"/>
@@ -10995,7 +10995,7 @@
         <p:spPr>
           <a:xfrm>
             <a:off x="360000" y="-39960"/>
-            <a:ext cx="9358200" cy="1248840"/>
+            <a:ext cx="9357840" cy="1248480"/>
           </a:xfrm>
           <a:prstGeom prst="rect">
             <a:avLst/>
@@ -11044,7 +11044,7 @@
         <p:spPr>
           <a:xfrm>
             <a:off x="360000" y="1485000"/>
-            <a:ext cx="9358200" cy="3778200"/>
+            <a:ext cx="9357840" cy="3777840"/>
           </a:xfrm>
           <a:prstGeom prst="rect">
             <a:avLst/>
@@ -11056,7 +11056,7 @@
         </p:spPr>
         <p:txBody>
           <a:bodyPr lIns="0" rIns="0" tIns="0" bIns="0" anchor="t">
-            <a:normAutofit/>
+            <a:normAutofit fontScale="99000"/>
           </a:bodyPr>
           <a:p>
             <a:pPr marL="216000" indent="-216000">
@@ -11164,6 +11164,24 @@
               <a:buFont typeface="Wingdings" charset="2"/>
               <a:buChar char=""/>
             </a:pPr>
+            <a:r>
+              <a:rPr b="0" lang="en-US" sz="1800" spc="-1" strike="noStrike">
+                <a:solidFill>
+                  <a:srgbClr val="c9211e"/>
+                </a:solidFill>
+                <a:latin typeface="Arial"/>
+              </a:rPr>
+              <a:t>[Possibly remove detailed explanation in the interest of time and simplicity</a:t>
+            </a:r>
+            <a:r>
+              <a:rPr b="0" lang="en-US" sz="1800" spc="-1" strike="noStrike">
+                <a:solidFill>
+                  <a:srgbClr val="c9211e"/>
+                </a:solidFill>
+                <a:latin typeface="Arial"/>
+              </a:rPr>
+              <a:t>] </a:t>
+            </a:r>
             <a:r>
               <a:rPr b="0" lang="en-US" sz="1800" spc="-1" strike="noStrike">
                 <a:solidFill>
@@ -11306,7 +11324,7 @@
         <p:spPr>
           <a:xfrm>
             <a:off x="360000" y="-39960"/>
-            <a:ext cx="9358200" cy="1248840"/>
+            <a:ext cx="9357840" cy="1248480"/>
           </a:xfrm>
           <a:prstGeom prst="rect">
             <a:avLst/>
@@ -11355,7 +11373,7 @@
         <p:spPr>
           <a:xfrm>
             <a:off x="360000" y="1485000"/>
-            <a:ext cx="9358200" cy="3778200"/>
+            <a:ext cx="9357840" cy="3777840"/>
           </a:xfrm>
           <a:prstGeom prst="rect">
             <a:avLst/>
@@ -11367,7 +11385,7 @@
         </p:spPr>
         <p:txBody>
           <a:bodyPr lIns="0" rIns="0" tIns="0" bIns="0" anchor="t">
-            <a:normAutofit fontScale="88000"/>
+            <a:normAutofit fontScale="73000"/>
           </a:bodyPr>
           <a:p>
             <a:pPr marL="432000" indent="-324000">
@@ -11391,7 +11409,7 @@
                 </a:solidFill>
                 <a:latin typeface="Arial"/>
               </a:rPr>
-              <a:t>The Jacobian of a tree is simple, it is always the trivial group.</a:t>
+              <a:t>The Jacobian of a tree is simple, it is always the trivial group, or that the winning configurations of a tree can be described very simply.</a:t>
             </a:r>
             <a:endParaRPr b="0" lang="en-US" sz="3200" spc="-1" strike="noStrike">
               <a:latin typeface="Arial"/>
@@ -11483,7 +11501,25 @@
                 </a:solidFill>
                 <a:latin typeface="Arial"/>
               </a:rPr>
-              <a:t> exist for some combination of directed edge orientations.</a:t>
+              <a:t> exist for some combination of directed edge orientations.  For these types of graphs, </a:t>
+            </a:r>
+            <a:r>
+              <a:rPr b="0" i="1" lang="en-US" sz="3200" spc="-1" strike="noStrike">
+                <a:solidFill>
+                  <a:srgbClr val="000000"/>
+                </a:solidFill>
+                <a:latin typeface="Arial"/>
+              </a:rPr>
+              <a:t>Jac(G)</a:t>
+            </a:r>
+            <a:r>
+              <a:rPr b="0" lang="en-US" sz="3200" spc="-1" strike="noStrike">
+                <a:solidFill>
+                  <a:srgbClr val="000000"/>
+                </a:solidFill>
+                <a:latin typeface="Arial"/>
+              </a:rPr>
+              <a:t> can be calculated very quickly.</a:t>
             </a:r>
             <a:endParaRPr b="0" lang="en-US" sz="3200" spc="-1" strike="noStrike">
               <a:latin typeface="Arial"/>
@@ -11534,7 +11570,7 @@
         <p:spPr>
           <a:xfrm>
             <a:off x="360000" y="225720"/>
-            <a:ext cx="9358200" cy="717120"/>
+            <a:ext cx="9357840" cy="716760"/>
           </a:xfrm>
           <a:prstGeom prst="rect">
             <a:avLst/>
@@ -11583,7 +11619,7 @@
         <p:spPr>
           <a:xfrm>
             <a:off x="799920" y="2743200"/>
-            <a:ext cx="3542400" cy="2656440"/>
+            <a:ext cx="3542040" cy="2656080"/>
           </a:xfrm>
           <a:prstGeom prst="rect">
             <a:avLst/>
@@ -11606,7 +11642,7 @@
         <p:spPr>
           <a:xfrm>
             <a:off x="5715000" y="2743200"/>
-            <a:ext cx="3542400" cy="2656440"/>
+            <a:ext cx="3542040" cy="2656080"/>
           </a:xfrm>
           <a:prstGeom prst="rect">
             <a:avLst/>
@@ -11629,7 +11665,7 @@
         <p:spPr>
           <a:xfrm>
             <a:off x="3314520" y="1228680"/>
-            <a:ext cx="3542400" cy="2656440"/>
+            <a:ext cx="3542040" cy="2656080"/>
           </a:xfrm>
           <a:prstGeom prst="rect">
             <a:avLst/>
@@ -11647,8 +11683,8 @@
         </p:nvSpPr>
         <p:spPr>
           <a:xfrm rot="18160800">
-            <a:off x="3656880" y="2286000"/>
-            <a:ext cx="1370520" cy="227520"/>
+            <a:off x="3656880" y="2286360"/>
+            <a:ext cx="1370160" cy="227160"/>
           </a:xfrm>
           <a:custGeom>
             <a:avLst/>
@@ -11715,8 +11751,8 @@
         </p:nvSpPr>
         <p:spPr>
           <a:xfrm rot="3178800">
-            <a:off x="5395320" y="2195640"/>
-            <a:ext cx="913320" cy="227520"/>
+            <a:off x="5395320" y="2195280"/>
+            <a:ext cx="912960" cy="227160"/>
           </a:xfrm>
           <a:custGeom>
             <a:avLst/>
@@ -11775,7 +11811,7 @@
         <p:spPr>
           <a:xfrm>
             <a:off x="4800600" y="3429000"/>
-            <a:ext cx="913320" cy="227520"/>
+            <a:ext cx="912960" cy="227160"/>
           </a:xfrm>
           <a:custGeom>
             <a:avLst/>
@@ -11833,8 +11869,8 @@
         </p:nvSpPr>
         <p:spPr>
           <a:xfrm rot="18160800">
-            <a:off x="1151280" y="3953880"/>
-            <a:ext cx="1370520" cy="227520"/>
+            <a:off x="1151280" y="3954240"/>
+            <a:ext cx="1370160" cy="227160"/>
           </a:xfrm>
           <a:custGeom>
             <a:avLst/>
@@ -11901,8 +11937,8 @@
         </p:nvSpPr>
         <p:spPr>
           <a:xfrm rot="14195400">
-            <a:off x="2727360" y="3822840"/>
-            <a:ext cx="1370520" cy="227520"/>
+            <a:off x="2727360" y="3823200"/>
+            <a:ext cx="1370160" cy="227160"/>
           </a:xfrm>
           <a:custGeom>
             <a:avLst/>
@@ -11969,8 +12005,8 @@
         </p:nvSpPr>
         <p:spPr>
           <a:xfrm rot="21568800">
-            <a:off x="1818000" y="4960440"/>
-            <a:ext cx="1370520" cy="227520"/>
+            <a:off x="1817640" y="4960080"/>
+            <a:ext cx="1370160" cy="227160"/>
           </a:xfrm>
           <a:custGeom>
             <a:avLst/>
@@ -12038,7 +12074,7 @@
         <p:spPr>
           <a:xfrm>
             <a:off x="7086600" y="5029200"/>
-            <a:ext cx="913320" cy="227520"/>
+            <a:ext cx="912960" cy="227160"/>
           </a:xfrm>
           <a:custGeom>
             <a:avLst/>
@@ -12096,8 +12132,8 @@
         </p:nvSpPr>
         <p:spPr>
           <a:xfrm rot="13918800">
-            <a:off x="7857720" y="3799080"/>
-            <a:ext cx="913320" cy="227520"/>
+            <a:off x="7857720" y="3799440"/>
+            <a:ext cx="912960" cy="227160"/>
           </a:xfrm>
           <a:custGeom>
             <a:avLst/>
@@ -12155,8 +12191,8 @@
         </p:nvSpPr>
         <p:spPr>
           <a:xfrm rot="7579800">
-            <a:off x="6307200" y="3792600"/>
-            <a:ext cx="913320" cy="227520"/>
+            <a:off x="6307560" y="3792600"/>
+            <a:ext cx="912960" cy="227160"/>
           </a:xfrm>
           <a:custGeom>
             <a:avLst/>
@@ -12249,7 +12285,7 @@
         <p:spPr>
           <a:xfrm>
             <a:off x="360000" y="-39960"/>
-            <a:ext cx="9358200" cy="1248840"/>
+            <a:ext cx="9357840" cy="1248480"/>
           </a:xfrm>
           <a:prstGeom prst="rect">
             <a:avLst/>
@@ -12298,7 +12334,7 @@
         <p:spPr>
           <a:xfrm>
             <a:off x="360000" y="1485000"/>
-            <a:ext cx="9468720" cy="3778200"/>
+            <a:ext cx="9468360" cy="3777840"/>
           </a:xfrm>
           <a:prstGeom prst="rect">
             <a:avLst/>
@@ -12406,6 +12442,16 @@
               <a:t>	</a:t>
             </a:r>
             <a:r>
+              <a:rPr b="0" i="1" lang="en-US" sz="2100" spc="-1" strike="noStrike">
+                <a:solidFill>
+                  <a:srgbClr val="000000"/>
+                </a:solidFill>
+                <a:latin typeface="Arial"/>
+                <a:ea typeface="JetBrains Mono"/>
+              </a:rPr>
+              <a:t>Jac(cycle) x Jac(tree)</a:t>
+            </a:r>
+            <a:r>
               <a:rPr b="0" lang="en-US" sz="2100" spc="-1" strike="noStrike">
                 <a:solidFill>
                   <a:srgbClr val="000000"/>
@@ -12413,7 +12459,7 @@
                 <a:latin typeface="Arial"/>
                 <a:ea typeface="JetBrains Mono"/>
               </a:rPr>
-              <a:t>Jac(cycle) x Jac(tree).</a:t>
+              <a:t>.</a:t>
             </a:r>
             <a:endParaRPr b="0" lang="en-US" sz="2100" spc="-1" strike="noStrike">
               <a:latin typeface="Arial"/>
@@ -12464,7 +12510,7 @@
         <p:spPr>
           <a:xfrm>
             <a:off x="360000" y="-39960"/>
-            <a:ext cx="9358200" cy="1248840"/>
+            <a:ext cx="9357840" cy="1248480"/>
           </a:xfrm>
           <a:prstGeom prst="rect">
             <a:avLst/>
@@ -12513,7 +12559,7 @@
         <p:spPr>
           <a:xfrm>
             <a:off x="360000" y="1485000"/>
-            <a:ext cx="9468720" cy="3778200"/>
+            <a:ext cx="9468360" cy="3777840"/>
           </a:xfrm>
           <a:prstGeom prst="rect">
             <a:avLst/>
@@ -12683,7 +12729,7 @@
         <p:spPr>
           <a:xfrm>
             <a:off x="360000" y="225720"/>
-            <a:ext cx="9358200" cy="717120"/>
+            <a:ext cx="9357840" cy="716760"/>
           </a:xfrm>
           <a:prstGeom prst="rect">
             <a:avLst/>
@@ -12732,7 +12778,7 @@
         <p:spPr>
           <a:xfrm>
             <a:off x="360000" y="1485000"/>
-            <a:ext cx="9358200" cy="3778200"/>
+            <a:ext cx="9357840" cy="3777840"/>
           </a:xfrm>
           <a:prstGeom prst="rect">
             <a:avLst/>
@@ -12822,7 +12868,7 @@
         <p:spPr>
           <a:xfrm>
             <a:off x="360000" y="225720"/>
-            <a:ext cx="9358200" cy="717120"/>
+            <a:ext cx="9357840" cy="716760"/>
           </a:xfrm>
           <a:prstGeom prst="rect">
             <a:avLst/>
@@ -12901,7 +12947,7 @@
         <p:spPr>
           <a:xfrm>
             <a:off x="360000" y="225720"/>
-            <a:ext cx="9358200" cy="717120"/>
+            <a:ext cx="9357840" cy="716760"/>
           </a:xfrm>
           <a:prstGeom prst="rect">
             <a:avLst/>
@@ -12950,7 +12996,7 @@
         <p:spPr>
           <a:xfrm>
             <a:off x="360000" y="1485000"/>
-            <a:ext cx="6498000" cy="3778200"/>
+            <a:ext cx="6497640" cy="3777840"/>
           </a:xfrm>
           <a:prstGeom prst="rect">
             <a:avLst/>
@@ -13054,7 +13100,7 @@
         <p:spPr>
           <a:xfrm>
             <a:off x="6858000" y="2286000"/>
-            <a:ext cx="2971800" cy="2228400"/>
+            <a:ext cx="2971440" cy="2228040"/>
           </a:xfrm>
           <a:prstGeom prst="rect">
             <a:avLst/>
@@ -13107,7 +13153,7 @@
         <p:spPr>
           <a:xfrm>
             <a:off x="360000" y="225720"/>
-            <a:ext cx="9358200" cy="717120"/>
+            <a:ext cx="9357840" cy="716760"/>
           </a:xfrm>
           <a:prstGeom prst="rect">
             <a:avLst/>
@@ -13156,7 +13202,7 @@
         <p:spPr>
           <a:xfrm>
             <a:off x="360000" y="1485000"/>
-            <a:ext cx="9358200" cy="3778200"/>
+            <a:ext cx="9357840" cy="3777840"/>
           </a:xfrm>
           <a:prstGeom prst="rect">
             <a:avLst/>
@@ -13315,7 +13361,7 @@
         <p:spPr>
           <a:xfrm>
             <a:off x="360000" y="225720"/>
-            <a:ext cx="9358200" cy="717120"/>
+            <a:ext cx="9357840" cy="716760"/>
           </a:xfrm>
           <a:prstGeom prst="rect">
             <a:avLst/>
@@ -13364,7 +13410,7 @@
         <p:spPr>
           <a:xfrm>
             <a:off x="2057400" y="2286000"/>
-            <a:ext cx="6198840" cy="1788840"/>
+            <a:ext cx="6198480" cy="1788480"/>
           </a:xfrm>
           <a:prstGeom prst="rect">
             <a:avLst/>
@@ -13417,7 +13463,7 @@
         <p:spPr>
           <a:xfrm>
             <a:off x="360000" y="-39960"/>
-            <a:ext cx="9358200" cy="1248840"/>
+            <a:ext cx="9357840" cy="1248480"/>
           </a:xfrm>
           <a:prstGeom prst="rect">
             <a:avLst/>
@@ -13466,7 +13512,7 @@
         <p:spPr>
           <a:xfrm>
             <a:off x="360000" y="1485000"/>
-            <a:ext cx="9468720" cy="3778200"/>
+            <a:ext cx="9468360" cy="3777840"/>
           </a:xfrm>
           <a:prstGeom prst="rect">
             <a:avLst/>
@@ -13632,7 +13678,7 @@
         <p:spPr>
           <a:xfrm>
             <a:off x="360000" y="1485000"/>
-            <a:ext cx="9358200" cy="3778200"/>
+            <a:ext cx="9357840" cy="3777840"/>
           </a:xfrm>
           <a:prstGeom prst="rect">
             <a:avLst/>
@@ -13644,7 +13690,7 @@
         </p:spPr>
         <p:txBody>
           <a:bodyPr lIns="0" rIns="0" tIns="0" bIns="0" anchor="t">
-            <a:normAutofit fontScale="79000"/>
+            <a:normAutofit fontScale="72000"/>
           </a:bodyPr>
           <a:p>
             <a:pPr marL="432000" indent="-324000">
@@ -13708,70 +13754,70 @@
                 <a:latin typeface="Arial"/>
                 <a:ea typeface="Noto Sans CJK SC"/>
               </a:rPr>
-              <a:t>, is an integer vector </a:t>
+              <a:t>, is an integer vector (a list of integers) </a:t>
             </a:r>
             <a:r>
               <a:rPr b="0" i="1" lang="en-US" sz="3200" spc="-1" strike="noStrike">
                 <a:latin typeface="Arial"/>
                 <a:ea typeface="Noto Sans CJK SC"/>
               </a:rPr>
-              <a:t>v ∈ ℤ</a:t>
+              <a:t>n</a:t>
+            </a:r>
+            <a:r>
+              <a:rPr b="0" lang="en-US" sz="3200" spc="-1" strike="noStrike">
+                <a:latin typeface="Arial"/>
+                <a:ea typeface="Noto Sans CJK SC"/>
+              </a:rPr>
+              <a:t> integers long</a:t>
+            </a:r>
+            <a:r>
+              <a:rPr b="0" lang="en-US" sz="3200" spc="-1" strike="noStrike">
+                <a:latin typeface="Arial"/>
+                <a:ea typeface="Noto Sans CJK SC"/>
+              </a:rPr>
+              <a:t> where </a:t>
+            </a:r>
+            <a:r>
+              <a:rPr b="0" i="1" lang="en-US" sz="3200" spc="-1" strike="noStrike">
+                <a:latin typeface="Arial"/>
+                <a:ea typeface="Noto Sans CJK SC"/>
+              </a:rPr>
+              <a:t>n</a:t>
+            </a:r>
+            <a:r>
+              <a:rPr b="0" lang="en-US" sz="3200" spc="-1" strike="noStrike">
+                <a:latin typeface="Arial"/>
+                <a:ea typeface="Noto Sans CJK SC"/>
+              </a:rPr>
+              <a:t> is the number of vertices in the graph.  The </a:t>
+            </a:r>
+            <a:r>
+              <a:rPr b="0" i="1" lang="en-US" sz="3200" spc="-1" strike="noStrike">
+                <a:latin typeface="Arial"/>
+                <a:ea typeface="Noto Sans CJK SC"/>
+              </a:rPr>
+              <a:t>i</a:t>
             </a:r>
             <a:r>
               <a:rPr b="0" i="1" lang="en-US" sz="3200" spc="-1" strike="noStrike" baseline="33000">
                 <a:latin typeface="Arial"/>
                 <a:ea typeface="Noto Sans CJK SC"/>
               </a:rPr>
-              <a:t>n</a:t>
+              <a:t>th</a:t>
             </a:r>
             <a:r>
               <a:rPr b="0" lang="en-US" sz="3200" spc="-1" strike="noStrike">
                 <a:latin typeface="Arial"/>
                 <a:ea typeface="Noto Sans CJK SC"/>
               </a:rPr>
-              <a:t> where </a:t>
-            </a:r>
-            <a:r>
-              <a:rPr b="0" i="1" lang="en-US" sz="3200" spc="-1" strike="noStrike">
+              <a:t> element of </a:t>
+            </a:r>
+            <a:r>
+              <a:rPr b="0" lang="en-US" sz="3200" spc="-1" strike="noStrike">
                 <a:latin typeface="Arial"/>
                 <a:ea typeface="Noto Sans CJK SC"/>
               </a:rPr>
-              <a:t>n</a:t>
-            </a:r>
-            <a:r>
-              <a:rPr b="0" lang="en-US" sz="3200" spc="-1" strike="noStrike">
-                <a:latin typeface="Arial"/>
-                <a:ea typeface="Noto Sans CJK SC"/>
-              </a:rPr>
-              <a:t> is the number of vertices in the graph.  The </a:t>
-            </a:r>
-            <a:r>
-              <a:rPr b="0" i="1" lang="en-US" sz="3200" spc="-1" strike="noStrike">
-                <a:latin typeface="Arial"/>
-                <a:ea typeface="Noto Sans CJK SC"/>
-              </a:rPr>
-              <a:t>i</a:t>
-            </a:r>
-            <a:r>
-              <a:rPr b="0" i="1" lang="en-US" sz="3200" spc="-1" strike="noStrike" baseline="33000">
-                <a:latin typeface="Arial"/>
-                <a:ea typeface="Noto Sans CJK SC"/>
-              </a:rPr>
-              <a:t>th</a:t>
-            </a:r>
-            <a:r>
-              <a:rPr b="0" lang="en-US" sz="3200" spc="-1" strike="noStrike">
-                <a:latin typeface="Arial"/>
-                <a:ea typeface="Noto Sans CJK SC"/>
-              </a:rPr>
-              <a:t> element of </a:t>
-            </a:r>
-            <a:r>
-              <a:rPr b="0" i="1" lang="en-US" sz="3200" spc="-1" strike="noStrike">
-                <a:latin typeface="Arial"/>
-                <a:ea typeface="Noto Sans CJK SC"/>
-              </a:rPr>
-              <a:t>v</a:t>
+              <a:t>this vector</a:t>
             </a:r>
             <a:r>
               <a:rPr b="0" lang="en-US" sz="3200" spc="-1" strike="noStrike">
@@ -13900,7 +13946,7 @@
                 <a:latin typeface="Arial"/>
                 <a:ea typeface="Noto Sans CJK SC"/>
               </a:rPr>
-              <a:t>, is the set of all divisors that are equivalent to each other.</a:t>
+              <a:t>, is the set of all divisors that are equivalent to each other.  For example, the set of all divisors that can be gotten from the initial starting state of a game.</a:t>
             </a:r>
             <a:endParaRPr b="0" lang="en-US" sz="3200" spc="-1" strike="noStrike">
               <a:latin typeface="Arial"/>
@@ -13921,7 +13967,7 @@
         <p:spPr>
           <a:xfrm>
             <a:off x="360000" y="225720"/>
-            <a:ext cx="9358200" cy="717120"/>
+            <a:ext cx="9357840" cy="716760"/>
           </a:xfrm>
           <a:prstGeom prst="rect">
             <a:avLst/>
@@ -14000,7 +14046,7 @@
         <p:spPr>
           <a:xfrm>
             <a:off x="360000" y="225720"/>
-            <a:ext cx="9358200" cy="717120"/>
+            <a:ext cx="9357840" cy="716760"/>
           </a:xfrm>
           <a:prstGeom prst="rect">
             <a:avLst/>
@@ -14049,7 +14095,7 @@
         <p:spPr>
           <a:xfrm>
             <a:off x="1022400" y="1509840"/>
-            <a:ext cx="4691160" cy="3517920"/>
+            <a:ext cx="4690800" cy="3517560"/>
           </a:xfrm>
           <a:prstGeom prst="rect">
             <a:avLst/>
@@ -14072,7 +14118,7 @@
         <p:spPr>
           <a:xfrm>
             <a:off x="360000" y="2507760"/>
-            <a:ext cx="1467360" cy="1605600"/>
+            <a:ext cx="1467000" cy="1605240"/>
           </a:xfrm>
           <a:prstGeom prst="rect">
             <a:avLst/>
@@ -14114,7 +14160,7 @@
         <p:spPr>
           <a:xfrm>
             <a:off x="5486400" y="1828800"/>
-            <a:ext cx="4341960" cy="1483200"/>
+            <a:ext cx="4341600" cy="1482840"/>
           </a:xfrm>
           <a:prstGeom prst="rect">
             <a:avLst/>
@@ -14352,7 +14398,7 @@
         <p:spPr>
           <a:xfrm>
             <a:off x="360000" y="225720"/>
-            <a:ext cx="9358200" cy="717120"/>
+            <a:ext cx="9357840" cy="716760"/>
           </a:xfrm>
           <a:prstGeom prst="rect">
             <a:avLst/>
@@ -14401,7 +14447,7 @@
         <p:spPr>
           <a:xfrm>
             <a:off x="360000" y="1485000"/>
-            <a:ext cx="9358200" cy="3778200"/>
+            <a:ext cx="9357840" cy="3777840"/>
           </a:xfrm>
           <a:prstGeom prst="rect">
             <a:avLst/>
@@ -14413,7 +14459,7 @@
         </p:spPr>
         <p:txBody>
           <a:bodyPr lIns="0" rIns="0" tIns="0" bIns="0" anchor="t">
-            <a:normAutofit fontScale="71000"/>
+            <a:normAutofit fontScale="70000"/>
           </a:bodyPr>
           <a:p>
             <a:pPr marL="432000" indent="-324000">
@@ -14470,7 +14516,7 @@
               <a:rPr b="0" lang="en-US" sz="3200" spc="-1" strike="noStrike">
                 <a:latin typeface="Arial"/>
               </a:rPr>
-              <a:t>can be a part of.  The larger the size of the Picard Group, the more ways a game can be played.</a:t>
+              <a:t>can be a part of.  The larger the size of the Picard Group, the more ways a game can be played.  It describes every state of the game from every initial distribution of chips.</a:t>
             </a:r>
             <a:endParaRPr b="0" lang="en-US" sz="3200" spc="-1" strike="noStrike">
               <a:latin typeface="Arial"/>
@@ -14495,86 +14541,61 @@
               <a:rPr b="0" lang="en-US" sz="3200" spc="-1" strike="noStrike">
                 <a:latin typeface="Arial"/>
               </a:rPr>
-              <a:t>The degree of a divisor, </a:t>
+              <a:t>The </a:t>
+            </a:r>
+            <a:r>
+              <a:rPr b="1" lang="en-US" sz="3200" spc="-1" strike="noStrike">
+                <a:latin typeface="Arial"/>
+              </a:rPr>
+              <a:t>Jacobian</a:t>
+            </a:r>
+            <a:r>
+              <a:rPr b="0" lang="en-US" sz="3200" spc="-1" strike="noStrike">
+                <a:latin typeface="Arial"/>
+              </a:rPr>
+              <a:t> of a graph, </a:t>
             </a:r>
             <a:r>
               <a:rPr b="0" i="1" lang="en-US" sz="3200" spc="-1" strike="noStrike">
                 <a:latin typeface="Arial"/>
               </a:rPr>
-              <a:t>deg(D)</a:t>
+              <a:t>Jac(G)</a:t>
             </a:r>
             <a:r>
               <a:rPr b="0" lang="en-US" sz="3200" spc="-1" strike="noStrike">
                 <a:latin typeface="Arial"/>
               </a:rPr>
-              <a:t>, is the sum of each of the divisor’s elements.</a:t>
-            </a:r>
-            <a:endParaRPr b="0" lang="en-US" sz="3200" spc="-1" strike="noStrike">
-              <a:latin typeface="Arial"/>
-            </a:endParaRPr>
-          </a:p>
-          <a:p>
-            <a:pPr marL="432000" indent="-324000">
-              <a:lnSpc>
-                <a:spcPct val="100000"/>
-              </a:lnSpc>
-              <a:spcBef>
-                <a:spcPts val="1417"/>
-              </a:spcBef>
-              <a:buClr>
-                <a:srgbClr val="000000"/>
-              </a:buClr>
-              <a:buSzPct val="45000"/>
-              <a:buFont typeface="Wingdings" charset="2"/>
-              <a:buChar char=""/>
-            </a:pPr>
+              <a:t>, is a special subset of </a:t>
+            </a:r>
+            <a:r>
+              <a:rPr b="0" i="1" lang="en-US" sz="3200" spc="-1" strike="noStrike">
+                <a:latin typeface="Arial"/>
+              </a:rPr>
+              <a:t>Pic(G)</a:t>
+            </a:r>
             <a:r>
               <a:rPr b="0" lang="en-US" sz="3200" spc="-1" strike="noStrike">
                 <a:latin typeface="Arial"/>
               </a:rPr>
-              <a:t>The </a:t>
-            </a:r>
-            <a:r>
-              <a:rPr b="1" lang="en-US" sz="3200" spc="-1" strike="noStrike">
-                <a:latin typeface="Arial"/>
-              </a:rPr>
-              <a:t>Jacobian</a:t>
+              <a:t> such that every divisor in each equivalency classes in </a:t>
+            </a:r>
+            <a:r>
+              <a:rPr b="0" i="1" lang="en-US" sz="3200" spc="-1" strike="noStrike">
+                <a:latin typeface="Arial"/>
+              </a:rPr>
+              <a:t>Jac(G)</a:t>
             </a:r>
             <a:r>
               <a:rPr b="0" lang="en-US" sz="3200" spc="-1" strike="noStrike">
                 <a:latin typeface="Arial"/>
               </a:rPr>
-              <a:t> of a graph, </a:t>
+              <a:t> have a distribution of chips that sum to zero</a:t>
             </a:r>
             <a:r>
               <a:rPr b="0" i="1" lang="en-US" sz="3200" spc="-1" strike="noStrike">
                 <a:latin typeface="Arial"/>
               </a:rPr>
-              <a:t>Jac(G)</a:t>
-            </a:r>
-            <a:r>
-              <a:rPr b="0" lang="en-US" sz="3200" spc="-1" strike="noStrike">
-                <a:latin typeface="Arial"/>
-              </a:rPr>
-              <a:t>, is a special subset of </a:t>
-            </a:r>
-            <a:r>
-              <a:rPr b="0" i="1" lang="en-US" sz="3200" spc="-1" strike="noStrike">
-                <a:latin typeface="Arial"/>
-              </a:rPr>
-              <a:t>Pic(G)</a:t>
-            </a:r>
-            <a:r>
-              <a:rPr b="0" lang="en-US" sz="3200" spc="-1" strike="noStrike">
-                <a:latin typeface="Arial"/>
-              </a:rPr>
-              <a:t> such that every divisor in each equivalency class has a degree of </a:t>
-            </a:r>
-            <a:r>
-              <a:rPr b="0" i="1" lang="en-US" sz="3200" spc="-1" strike="noStrike">
-                <a:latin typeface="Arial"/>
-              </a:rPr>
-              <a:t>0.</a:t>
+              <a:t>.</a:t>
             </a:r>
             <a:r>
               <a:rPr b="0" lang="en-US" sz="3200" spc="-1" strike="noStrike">

--- a/Docs/SUREPresentation.pptx
+++ b/Docs/SUREPresentation.pptx
@@ -83,7 +83,7 @@
         <p:txBody>
           <a:bodyPr/>
           <a:p>
-            <a:fld id="{3EB652EB-40DF-4B9A-BE4F-6901F9FF1A3C}" type="slidenum">
+            <a:fld id="{2B5FED52-7F27-4C78-B6E0-7E5E6568626F}" type="slidenum">
               <a:t>&lt;#&gt;</a:t>
             </a:fld>
           </a:p>
@@ -271,7 +271,7 @@
         <p:txBody>
           <a:bodyPr/>
           <a:p>
-            <a:fld id="{B3E9A645-3245-456C-BF38-B85262B3A923}" type="slidenum">
+            <a:fld id="{8728CB01-ECDC-458E-B429-53CF62715C0E}" type="slidenum">
               <a:t>&lt;#&gt;</a:t>
             </a:fld>
           </a:p>
@@ -527,7 +527,7 @@
         <p:txBody>
           <a:bodyPr/>
           <a:p>
-            <a:fld id="{A0EE059A-5C79-4E8B-A805-0778CA5A61A4}" type="slidenum">
+            <a:fld id="{B6FC25B3-19E7-4CEA-BF1D-565FDC00D488}" type="slidenum">
               <a:t>&lt;#&gt;</a:t>
             </a:fld>
           </a:p>
@@ -851,7 +851,7 @@
         <p:txBody>
           <a:bodyPr/>
           <a:p>
-            <a:fld id="{A7942980-8B40-4378-B654-7236DADE3FDD}" type="slidenum">
+            <a:fld id="{A41BA918-94D1-4DF0-81DC-322043459775}" type="slidenum">
               <a:t>&lt;#&gt;</a:t>
             </a:fld>
           </a:p>
@@ -1912,7 +1912,7 @@
         <p:txBody>
           <a:bodyPr/>
           <a:p>
-            <a:fld id="{64CDF001-6788-4161-8AA7-3E3812D42F82}" type="slidenum">
+            <a:fld id="{EF786B8B-838C-4D36-A873-5A0D2CC7FA53}" type="slidenum">
               <a:t>&lt;#&gt;</a:t>
             </a:fld>
           </a:p>
@@ -3780,7 +3780,7 @@
         <p:txBody>
           <a:bodyPr/>
           <a:p>
-            <a:fld id="{F10F5827-AFBD-4D6E-8F51-9BBADE950142}" type="slidenum">
+            <a:fld id="{A3669E87-8C78-47F0-A9C7-AE19A551C913}" type="slidenum">
               <a:t>&lt;#&gt;</a:t>
             </a:fld>
           </a:p>
@@ -5716,7 +5716,7 @@
         <p:txBody>
           <a:bodyPr/>
           <a:p>
-            <a:fld id="{BA24D98C-C3D5-440F-A500-387A12D263B8}" type="slidenum">
+            <a:fld id="{3132582B-5BBA-4834-9FC4-C7B8D92137F0}" type="slidenum">
               <a:t>&lt;#&gt;</a:t>
             </a:fld>
           </a:p>
@@ -7518,7 +7518,7 @@
         <p:txBody>
           <a:bodyPr/>
           <a:p>
-            <a:fld id="{069760E6-B535-4F6F-8E65-F8A56B0DC94A}" type="slidenum">
+            <a:fld id="{A02E7F8D-BF7F-4CF9-AB1F-5EE72D1192FB}" type="slidenum">
               <a:t>&lt;#&gt;</a:t>
             </a:fld>
           </a:p>
@@ -7638,7 +7638,7 @@
         <p:txBody>
           <a:bodyPr/>
           <a:p>
-            <a:fld id="{3AFEB09E-51D4-45F7-B0A5-5694A787EF68}" type="slidenum">
+            <a:fld id="{788CE71D-72E9-4C86-A8E2-59BDCF5CE3C5}" type="slidenum">
               <a:t>&lt;#&gt;</a:t>
             </a:fld>
           </a:p>
@@ -7860,7 +7860,7 @@
         <p:txBody>
           <a:bodyPr/>
           <a:p>
-            <a:fld id="{5493D786-3142-4E48-86B0-7A0BD514C96E}" type="slidenum">
+            <a:fld id="{773F9661-D358-4C4B-B650-2873365A7C43}" type="slidenum">
               <a:t>&lt;#&gt;</a:t>
             </a:fld>
           </a:p>
@@ -8082,7 +8082,7 @@
         <p:txBody>
           <a:bodyPr/>
           <a:p>
-            <a:fld id="{446BEC43-DE1F-4520-A703-2BC37C2968D7}" type="slidenum">
+            <a:fld id="{907402E4-8819-4515-96C8-930E4ED45577}" type="slidenum">
               <a:t>&lt;#&gt;</a:t>
             </a:fld>
           </a:p>
@@ -8304,7 +8304,7 @@
         <p:txBody>
           <a:bodyPr/>
           <a:p>
-            <a:fld id="{EECAE2AD-D150-4825-A78B-57547E57E137}" type="slidenum">
+            <a:fld id="{6EAE7565-23FF-4E5C-994F-5C56F875C68F}" type="slidenum">
               <a:t>&lt;#&gt;</a:t>
             </a:fld>
           </a:p>
@@ -8362,7 +8362,7 @@
         <p:spPr>
           <a:xfrm>
             <a:off x="0" y="0"/>
-            <a:ext cx="10077840" cy="5667840"/>
+            <a:ext cx="10077120" cy="5667120"/>
           </a:xfrm>
           <a:prstGeom prst="rect">
             <a:avLst/>
@@ -8390,7 +8390,7 @@
         <p:spPr>
           <a:xfrm>
             <a:off x="0" y="0"/>
-            <a:ext cx="10077840" cy="3777840"/>
+            <a:ext cx="10077120" cy="3777120"/>
           </a:xfrm>
           <a:prstGeom prst="rect">
             <a:avLst/>
@@ -8425,7 +8425,7 @@
         <p:spPr>
           <a:xfrm>
             <a:off x="3420000" y="5400000"/>
-            <a:ext cx="3237840" cy="267840"/>
+            <a:ext cx="3237120" cy="267120"/>
           </a:xfrm>
           <a:prstGeom prst="rect">
             <a:avLst/>
@@ -8488,7 +8488,7 @@
         <p:spPr>
           <a:xfrm>
             <a:off x="9180000" y="5130000"/>
-            <a:ext cx="717840" cy="537840"/>
+            <a:ext cx="717120" cy="537120"/>
           </a:xfrm>
           <a:prstGeom prst="rect">
             <a:avLst/>
@@ -8523,7 +8523,7 @@
               </a:lnSpc>
               <a:buNone/>
             </a:pPr>
-            <a:fld id="{FA444F5E-883E-4224-8049-1199B2452F75}" type="slidenum">
+            <a:fld id="{BE437B37-C38C-4CF9-975C-1E3A7C9AC8FF}" type="slidenum">
               <a:rPr b="1" lang="en-US" sz="1800" spc="-1" strike="noStrike">
                 <a:solidFill>
                   <a:srgbClr val="ffffff"/>
@@ -8551,7 +8551,7 @@
         <p:spPr>
           <a:xfrm>
             <a:off x="360000" y="5400000"/>
-            <a:ext cx="2877840" cy="267840"/>
+            <a:ext cx="2877120" cy="267120"/>
           </a:xfrm>
           <a:prstGeom prst="rect">
             <a:avLst/>
@@ -8857,7 +8857,7 @@
         <p:spPr>
           <a:xfrm>
             <a:off x="0" y="5400000"/>
-            <a:ext cx="10077840" cy="267840"/>
+            <a:ext cx="10077120" cy="267120"/>
           </a:xfrm>
           <a:prstGeom prst="rect">
             <a:avLst/>
@@ -8885,7 +8885,7 @@
         <p:spPr>
           <a:xfrm>
             <a:off x="0" y="0"/>
-            <a:ext cx="10077840" cy="1212840"/>
+            <a:ext cx="10077120" cy="1212120"/>
           </a:xfrm>
           <a:prstGeom prst="rect">
             <a:avLst/>
@@ -8913,7 +8913,7 @@
         <p:spPr>
           <a:xfrm>
             <a:off x="9315000" y="5175000"/>
-            <a:ext cx="447840" cy="447840"/>
+            <a:ext cx="447120" cy="447120"/>
           </a:xfrm>
           <a:prstGeom prst="ellipse">
             <a:avLst/>
@@ -8944,7 +8944,7 @@
         <p:spPr>
           <a:xfrm>
             <a:off x="9180000" y="5130000"/>
-            <a:ext cx="717840" cy="537840"/>
+            <a:ext cx="717120" cy="537120"/>
           </a:xfrm>
           <a:prstGeom prst="rect">
             <a:avLst/>
@@ -8971,7 +8971,7 @@
               </a:lnSpc>
               <a:buNone/>
             </a:pPr>
-            <a:fld id="{1CDBAEEC-5D84-4D4A-908C-91D3E773068F}" type="slidenum">
+            <a:fld id="{741C32DA-AFC4-4F19-98B4-8339B35F38AD}" type="slidenum">
               <a:rPr b="1" lang="en-US" sz="1800" spc="-1" strike="noStrike">
                 <a:solidFill>
                   <a:srgbClr val="ffffff"/>
@@ -9040,7 +9040,7 @@
         <p:spPr>
           <a:xfrm>
             <a:off x="3420000" y="5400000"/>
-            <a:ext cx="3237840" cy="267840"/>
+            <a:ext cx="3237120" cy="267120"/>
           </a:xfrm>
           <a:prstGeom prst="rect">
             <a:avLst/>
@@ -9103,7 +9103,7 @@
         <p:spPr>
           <a:xfrm>
             <a:off x="360000" y="5400000"/>
-            <a:ext cx="2877840" cy="267840"/>
+            <a:ext cx="2877120" cy="267120"/>
           </a:xfrm>
           <a:prstGeom prst="rect">
             <a:avLst/>
@@ -9366,7 +9366,7 @@
         <p:spPr>
           <a:xfrm>
             <a:off x="0" y="5400000"/>
-            <a:ext cx="10077840" cy="267840"/>
+            <a:ext cx="10077120" cy="267120"/>
           </a:xfrm>
           <a:prstGeom prst="rect">
             <a:avLst/>
@@ -9394,7 +9394,7 @@
         <p:spPr>
           <a:xfrm>
             <a:off x="0" y="0"/>
-            <a:ext cx="10077840" cy="1212840"/>
+            <a:ext cx="10077120" cy="1212120"/>
           </a:xfrm>
           <a:prstGeom prst="rect">
             <a:avLst/>
@@ -9422,7 +9422,7 @@
         <p:spPr>
           <a:xfrm>
             <a:off x="9315000" y="5175000"/>
-            <a:ext cx="447840" cy="447840"/>
+            <a:ext cx="447120" cy="447120"/>
           </a:xfrm>
           <a:prstGeom prst="ellipse">
             <a:avLst/>
@@ -9453,7 +9453,7 @@
         <p:spPr>
           <a:xfrm>
             <a:off x="9180000" y="5130000"/>
-            <a:ext cx="717840" cy="537840"/>
+            <a:ext cx="717120" cy="537120"/>
           </a:xfrm>
           <a:prstGeom prst="rect">
             <a:avLst/>
@@ -9480,7 +9480,7 @@
               </a:lnSpc>
               <a:buNone/>
             </a:pPr>
-            <a:fld id="{EEB1CF33-A1B6-4CE0-BEE7-47E13FFA4C9E}" type="slidenum">
+            <a:fld id="{2484E58D-B4C5-4A70-A2CE-7C63D6E40824}" type="slidenum">
               <a:rPr b="1" lang="en-US" sz="1800" spc="-1" strike="noStrike">
                 <a:solidFill>
                   <a:srgbClr val="ffffff"/>
@@ -9509,7 +9509,7 @@
         <p:spPr>
           <a:xfrm>
             <a:off x="3420000" y="5400000"/>
-            <a:ext cx="3237840" cy="267840"/>
+            <a:ext cx="3237120" cy="267120"/>
           </a:xfrm>
           <a:prstGeom prst="rect">
             <a:avLst/>
@@ -9572,7 +9572,7 @@
         <p:spPr>
           <a:xfrm>
             <a:off x="360000" y="5400000"/>
-            <a:ext cx="2877840" cy="267840"/>
+            <a:ext cx="2877120" cy="267120"/>
           </a:xfrm>
           <a:prstGeom prst="rect">
             <a:avLst/>
@@ -9878,7 +9878,7 @@
         <p:spPr>
           <a:xfrm>
             <a:off x="0" y="5400000"/>
-            <a:ext cx="10077840" cy="267840"/>
+            <a:ext cx="10077120" cy="267120"/>
           </a:xfrm>
           <a:prstGeom prst="rect">
             <a:avLst/>
@@ -9906,7 +9906,7 @@
         <p:spPr>
           <a:xfrm>
             <a:off x="0" y="0"/>
-            <a:ext cx="10077840" cy="1212840"/>
+            <a:ext cx="10077120" cy="1212120"/>
           </a:xfrm>
           <a:prstGeom prst="rect">
             <a:avLst/>
@@ -9934,7 +9934,7 @@
         <p:spPr>
           <a:xfrm>
             <a:off x="9315000" y="5175000"/>
-            <a:ext cx="447840" cy="447840"/>
+            <a:ext cx="447120" cy="447120"/>
           </a:xfrm>
           <a:prstGeom prst="ellipse">
             <a:avLst/>
@@ -9965,7 +9965,7 @@
         <p:spPr>
           <a:xfrm>
             <a:off x="9180000" y="5130000"/>
-            <a:ext cx="717840" cy="537840"/>
+            <a:ext cx="717120" cy="537120"/>
           </a:xfrm>
           <a:prstGeom prst="rect">
             <a:avLst/>
@@ -9992,7 +9992,7 @@
               </a:lnSpc>
               <a:buNone/>
             </a:pPr>
-            <a:fld id="{FAAB0E76-CFBC-492C-ACBB-E2F8B59BCEE1}" type="slidenum">
+            <a:fld id="{BF732B74-96A2-401F-9F9C-95A195056F2E}" type="slidenum">
               <a:rPr b="1" lang="en-US" sz="1800" spc="-1" strike="noStrike">
                 <a:solidFill>
                   <a:srgbClr val="ffffff"/>
@@ -10021,7 +10021,7 @@
         <p:spPr>
           <a:xfrm>
             <a:off x="3420000" y="5400000"/>
-            <a:ext cx="3237840" cy="267840"/>
+            <a:ext cx="3237120" cy="267120"/>
           </a:xfrm>
           <a:prstGeom prst="rect">
             <a:avLst/>
@@ -10084,7 +10084,7 @@
         <p:spPr>
           <a:xfrm>
             <a:off x="360000" y="5400000"/>
-            <a:ext cx="2877840" cy="267840"/>
+            <a:ext cx="2877120" cy="267120"/>
           </a:xfrm>
           <a:prstGeom prst="rect">
             <a:avLst/>
@@ -10394,7 +10394,7 @@
         <p:spPr>
           <a:xfrm>
             <a:off x="360000" y="225720"/>
-            <a:ext cx="9357840" cy="2744280"/>
+            <a:ext cx="9357120" cy="2743560"/>
           </a:xfrm>
           <a:prstGeom prst="rect">
             <a:avLst/>
@@ -10440,7 +10440,7 @@
         <p:spPr>
           <a:xfrm>
             <a:off x="504000" y="4071960"/>
-            <a:ext cx="9070200" cy="1184400"/>
+            <a:ext cx="9069480" cy="1183680"/>
           </a:xfrm>
           <a:prstGeom prst="rect">
             <a:avLst/>
@@ -10528,7 +10528,7 @@
       </p:grpSpPr>
       <p:sp>
         <p:nvSpPr>
-          <p:cNvPr id="195" name="PlaceHolder 1"/>
+          <p:cNvPr id="199" name="PlaceHolder 1"/>
           <p:cNvSpPr>
             <a:spLocks noGrp="1"/>
           </p:cNvSpPr>
@@ -10539,7 +10539,7 @@
         <p:spPr>
           <a:xfrm>
             <a:off x="360000" y="225720"/>
-            <a:ext cx="9357840" cy="716760"/>
+            <a:ext cx="9357120" cy="716040"/>
           </a:xfrm>
           <a:prstGeom prst="rect">
             <a:avLst/>
@@ -10577,7 +10577,7 @@
       </p:sp>
       <p:sp>
         <p:nvSpPr>
-          <p:cNvPr id="196" name="PlaceHolder 2"/>
+          <p:cNvPr id="200" name="PlaceHolder 2"/>
           <p:cNvSpPr>
             <a:spLocks noGrp="1"/>
           </p:cNvSpPr>
@@ -10588,7 +10588,7 @@
         <p:spPr>
           <a:xfrm>
             <a:off x="360000" y="1485000"/>
-            <a:ext cx="9357840" cy="3777840"/>
+            <a:ext cx="6040440" cy="3777120"/>
           </a:xfrm>
           <a:prstGeom prst="rect">
             <a:avLst/>
@@ -10600,8 +10600,28 @@
         </p:spPr>
         <p:txBody>
           <a:bodyPr lIns="0" rIns="0" tIns="0" bIns="0" anchor="t">
-            <a:normAutofit/>
-          </a:bodyPr>
+            <a:normAutofit fontScale="86000"/>
+          </a:bodyPr>
+          <a:p>
+            <a:pPr>
+              <a:lnSpc>
+                <a:spcPct val="100000"/>
+              </a:lnSpc>
+              <a:spcBef>
+                <a:spcPts val="1417"/>
+              </a:spcBef>
+              <a:buNone/>
+            </a:pPr>
+            <a:r>
+              <a:rPr b="0" lang="en-US" sz="2400" spc="-1" strike="noStrike">
+                <a:latin typeface="Arial"/>
+              </a:rPr>
+              <a:t>For our research, we concentrate on three main types of graphs.</a:t>
+            </a:r>
+            <a:endParaRPr b="0" lang="en-US" sz="2400" spc="-1" strike="noStrike">
+              <a:latin typeface="Arial"/>
+            </a:endParaRPr>
+          </a:p>
           <a:p>
             <a:pPr marL="432000" indent="-324000">
               <a:lnSpc>
@@ -10715,6 +10735,75 @@
           </a:p>
         </p:txBody>
       </p:sp>
+      <p:pic>
+        <p:nvPicPr>
+          <p:cNvPr id="201" name="" descr=""/>
+          <p:cNvPicPr/>
+          <p:nvPr/>
+        </p:nvPicPr>
+        <p:blipFill>
+          <a:blip r:embed="rId1"/>
+          <a:stretch/>
+        </p:blipFill>
+        <p:spPr>
+          <a:xfrm>
+            <a:off x="7194600" y="1371600"/>
+            <a:ext cx="1828440" cy="1371240"/>
+          </a:xfrm>
+          <a:prstGeom prst="rect">
+            <a:avLst/>
+          </a:prstGeom>
+          <a:ln w="0">
+            <a:noFill/>
+          </a:ln>
+        </p:spPr>
+      </p:pic>
+      <p:pic>
+        <p:nvPicPr>
+          <p:cNvPr id="202" name="" descr=""/>
+          <p:cNvPicPr/>
+          <p:nvPr/>
+        </p:nvPicPr>
+        <p:blipFill>
+          <a:blip r:embed="rId2"/>
+          <a:stretch/>
+        </p:blipFill>
+        <p:spPr>
+          <a:xfrm>
+            <a:off x="7194600" y="2692440"/>
+            <a:ext cx="1828440" cy="1193400"/>
+          </a:xfrm>
+          <a:prstGeom prst="rect">
+            <a:avLst/>
+          </a:prstGeom>
+          <a:ln w="0">
+            <a:noFill/>
+          </a:ln>
+        </p:spPr>
+      </p:pic>
+      <p:pic>
+        <p:nvPicPr>
+          <p:cNvPr id="203" name="" descr=""/>
+          <p:cNvPicPr/>
+          <p:nvPr/>
+        </p:nvPicPr>
+        <p:blipFill>
+          <a:blip r:embed="rId3"/>
+          <a:stretch/>
+        </p:blipFill>
+        <p:spPr>
+          <a:xfrm>
+            <a:off x="7194600" y="3886200"/>
+            <a:ext cx="1828440" cy="1371240"/>
+          </a:xfrm>
+          <a:prstGeom prst="rect">
+            <a:avLst/>
+          </a:prstGeom>
+          <a:ln w="0">
+            <a:noFill/>
+          </a:ln>
+        </p:spPr>
+      </p:pic>
     </p:spTree>
   </p:cSld>
   <mc:AlternateContent>
@@ -10747,7 +10836,7 @@
       </p:grpSpPr>
       <p:sp>
         <p:nvSpPr>
-          <p:cNvPr id="197" name="PlaceHolder 1"/>
+          <p:cNvPr id="204" name="PlaceHolder 1"/>
           <p:cNvSpPr>
             <a:spLocks noGrp="1"/>
           </p:cNvSpPr>
@@ -10758,7 +10847,7 @@
         <p:spPr>
           <a:xfrm>
             <a:off x="360000" y="225720"/>
-            <a:ext cx="9357840" cy="716760"/>
+            <a:ext cx="9357120" cy="716040"/>
           </a:xfrm>
           <a:prstGeom prst="rect">
             <a:avLst/>
@@ -10826,7 +10915,7 @@
       </p:grpSpPr>
       <p:sp>
         <p:nvSpPr>
-          <p:cNvPr id="198" name="PlaceHolder 1"/>
+          <p:cNvPr id="205" name="PlaceHolder 1"/>
           <p:cNvSpPr>
             <a:spLocks noGrp="1"/>
           </p:cNvSpPr>
@@ -10837,7 +10926,7 @@
         <p:spPr>
           <a:xfrm>
             <a:off x="360000" y="225720"/>
-            <a:ext cx="9357840" cy="716760"/>
+            <a:ext cx="9357120" cy="716040"/>
           </a:xfrm>
           <a:prstGeom prst="rect">
             <a:avLst/>
@@ -10875,7 +10964,7 @@
       </p:sp>
       <p:sp>
         <p:nvSpPr>
-          <p:cNvPr id="199" name="PlaceHolder 2"/>
+          <p:cNvPr id="206" name="PlaceHolder 2"/>
           <p:cNvSpPr>
             <a:spLocks noGrp="1"/>
           </p:cNvSpPr>
@@ -10886,7 +10975,7 @@
         <p:spPr>
           <a:xfrm>
             <a:off x="360000" y="1485000"/>
-            <a:ext cx="9357840" cy="3777840"/>
+            <a:ext cx="9357120" cy="3777120"/>
           </a:xfrm>
           <a:prstGeom prst="rect">
             <a:avLst/>
@@ -10898,7 +10987,7 @@
         </p:spPr>
         <p:txBody>
           <a:bodyPr lIns="0" rIns="0" tIns="0" bIns="0" anchor="t">
-            <a:normAutofit/>
+            <a:normAutofit fontScale="91000"/>
           </a:bodyPr>
           <a:p>
             <a:pPr marL="432000" indent="-324000">
@@ -10919,7 +11008,7 @@
               <a:rPr b="0" lang="en-US" sz="2480" spc="-1" strike="noStrike">
                 <a:latin typeface="Arial"/>
               </a:rPr>
-              <a:t>The overarching objective of this project is to develop techniques to calculate the Picard group and Jacobian of cycle graphs and trees.</a:t>
+              <a:t>The undirected cases for these graphs are well understood.  The directed case, however has very little research in it.  This is something we hope to change.</a:t>
             </a:r>
             <a:endParaRPr b="0" lang="en-US" sz="2480" spc="-1" strike="noStrike">
               <a:latin typeface="Arial"/>
@@ -10944,7 +11033,32 @@
               <a:rPr b="0" lang="en-US" sz="2480" spc="-1" strike="noStrike">
                 <a:latin typeface="Arial"/>
               </a:rPr>
-              <a:t>These techniques can then be used on pseudo-trees to more easily calculate their Picard Groups and Jacobians as they are less trivial. </a:t>
+              <a:t>Our goal is to explore techniques that we can use to describe trees and cycle graphs.  These can then be used on pseudo-trees to more easily calculate their Picard Groups and Jacobians as they are less trivial than those of their components. </a:t>
+            </a:r>
+            <a:endParaRPr b="0" lang="en-US" sz="2480" spc="-1" strike="noStrike">
+              <a:latin typeface="Arial"/>
+            </a:endParaRPr>
+          </a:p>
+          <a:p>
+            <a:pPr marL="432000" indent="-324000">
+              <a:lnSpc>
+                <a:spcPct val="100000"/>
+              </a:lnSpc>
+              <a:spcBef>
+                <a:spcPts val="1417"/>
+              </a:spcBef>
+              <a:buClr>
+                <a:srgbClr val="000000"/>
+              </a:buClr>
+              <a:buSzPct val="45000"/>
+              <a:buFont typeface="Wingdings" charset="2"/>
+              <a:buChar char=""/>
+            </a:pPr>
+            <a:r>
+              <a:rPr b="0" lang="en-US" sz="2480" spc="-1" strike="noStrike">
+                <a:latin typeface="Arial"/>
+              </a:rPr>
+              <a:t>The overarching objective of this project is to develop techniques to calculate the Picard group and Jacobian of the directed cases of these three classes of graphs and beyond.</a:t>
             </a:r>
             <a:endParaRPr b="0" lang="en-US" sz="2480" spc="-1" strike="noStrike">
               <a:latin typeface="Arial"/>
@@ -10984,7 +11098,7 @@
       </p:grpSpPr>
       <p:sp>
         <p:nvSpPr>
-          <p:cNvPr id="200" name="PlaceHolder 1"/>
+          <p:cNvPr id="207" name="PlaceHolder 1"/>
           <p:cNvSpPr>
             <a:spLocks noGrp="1"/>
           </p:cNvSpPr>
@@ -10995,7 +11109,7 @@
         <p:spPr>
           <a:xfrm>
             <a:off x="360000" y="-39960"/>
-            <a:ext cx="9357840" cy="1248480"/>
+            <a:ext cx="9357120" cy="1247760"/>
           </a:xfrm>
           <a:prstGeom prst="rect">
             <a:avLst/>
@@ -11023,7 +11137,7 @@
                 </a:solidFill>
                 <a:latin typeface="Arial"/>
               </a:rPr>
-              <a:t>Finding The Rank of a Tree’s Picard Group</a:t>
+              <a:t>Finding The Jacobian of Trees and Cycle Graphs</a:t>
             </a:r>
             <a:endParaRPr b="0" lang="en-US" sz="4400" spc="-1" strike="noStrike">
               <a:latin typeface="Arial"/>
@@ -11033,7 +11147,7 @@
       </p:sp>
       <p:sp>
         <p:nvSpPr>
-          <p:cNvPr id="201" name="PlaceHolder 2"/>
+          <p:cNvPr id="208" name="PlaceHolder 2"/>
           <p:cNvSpPr>
             <a:spLocks noGrp="1"/>
           </p:cNvSpPr>
@@ -11044,7 +11158,7 @@
         <p:spPr>
           <a:xfrm>
             <a:off x="360000" y="1485000"/>
-            <a:ext cx="9357840" cy="3777840"/>
+            <a:ext cx="9357120" cy="3777120"/>
           </a:xfrm>
           <a:prstGeom prst="rect">
             <a:avLst/>
@@ -11056,10 +11170,10 @@
         </p:spPr>
         <p:txBody>
           <a:bodyPr lIns="0" rIns="0" tIns="0" bIns="0" anchor="t">
-            <a:normAutofit fontScale="99000"/>
-          </a:bodyPr>
-          <a:p>
-            <a:pPr marL="216000" indent="-216000">
+            <a:normAutofit fontScale="62000"/>
+          </a:bodyPr>
+          <a:p>
+            <a:pPr marL="432000" indent="-324000">
               <a:lnSpc>
                 <a:spcPct val="100000"/>
               </a:lnSpc>
@@ -11074,83 +11188,20 @@
               <a:buChar char=""/>
             </a:pPr>
             <a:r>
-              <a:rPr b="0" lang="en-US" sz="1800" spc="-1" strike="noStrike">
-                <a:latin typeface="Arial"/>
-              </a:rPr>
-              <a:t>The Picard group is commonly written in the form </a:t>
-            </a:r>
-            <a:r>
-              <a:rPr b="0" i="1" lang="en-US" sz="1800" spc="-1" strike="noStrike">
-                <a:latin typeface="Arial"/>
-              </a:rPr>
-              <a:t>Pic(G) = Jac(G) x ℤ</a:t>
-            </a:r>
-            <a:r>
-              <a:rPr b="0" i="1" lang="en-US" sz="1800" spc="-1" strike="noStrike" baseline="33000">
-                <a:latin typeface="Arial"/>
-              </a:rPr>
-              <a:t>n</a:t>
-            </a:r>
-            <a:r>
-              <a:rPr b="0" lang="en-US" sz="1800" spc="-1" strike="noStrike">
-                <a:latin typeface="Arial"/>
-              </a:rPr>
-              <a:t>, where </a:t>
-            </a:r>
-            <a:r>
-              <a:rPr b="0" i="1" lang="en-US" sz="1800" spc="-1" strike="noStrike">
-                <a:latin typeface="Arial"/>
-              </a:rPr>
-              <a:t>n</a:t>
-            </a:r>
-            <a:r>
-              <a:rPr b="0" lang="en-US" sz="1800" spc="-1" strike="noStrike">
-                <a:latin typeface="Arial"/>
-              </a:rPr>
-              <a:t> is the rank of the Picard group. </a:t>
-            </a:r>
-            <a:r>
-              <a:rPr b="0" lang="en-US" sz="1800" spc="-1" strike="noStrike">
+              <a:rPr b="0" lang="en-US" sz="3200" spc="-1" strike="noStrike">
                 <a:solidFill>
-                  <a:srgbClr val="c9211e"/>
+                  <a:srgbClr val="000000"/>
                 </a:solidFill>
                 <a:latin typeface="Arial"/>
               </a:rPr>
-              <a:t>[Explanation of </a:t>
-            </a:r>
-            <a:r>
-              <a:rPr b="0" i="1" lang="en-US" sz="1800" spc="-1" strike="noStrike">
-                <a:solidFill>
-                  <a:srgbClr val="c9211e"/>
-                </a:solidFill>
-                <a:latin typeface="Arial"/>
-              </a:rPr>
-              <a:t>ℤ</a:t>
-            </a:r>
-            <a:r>
-              <a:rPr b="0" i="1" lang="en-US" sz="1800" spc="-1" strike="noStrike" baseline="33000">
-                <a:solidFill>
-                  <a:srgbClr val="c9211e"/>
-                </a:solidFill>
-                <a:latin typeface="Arial"/>
-              </a:rPr>
-              <a:t>n</a:t>
-            </a:r>
-            <a:r>
-              <a:rPr b="0" lang="en-US" sz="1800" spc="-1" strike="noStrike">
-                <a:solidFill>
-                  <a:srgbClr val="c9211e"/>
-                </a:solidFill>
-                <a:latin typeface="Arial"/>
-              </a:rPr>
-              <a:t>]</a:t>
-            </a:r>
-            <a:endParaRPr b="0" lang="en-US" sz="1800" spc="-1" strike="noStrike">
-              <a:latin typeface="Arial"/>
-            </a:endParaRPr>
-          </a:p>
-          <a:p>
-            <a:pPr marL="216000" indent="-216000">
+              <a:t>The Jacobian of a tree is simple, it is always the trivial group. In other words, the winning configurations of a tree can be described very simply.</a:t>
+            </a:r>
+            <a:endParaRPr b="0" lang="en-US" sz="3200" spc="-1" strike="noStrike">
+              <a:latin typeface="Arial"/>
+            </a:endParaRPr>
+          </a:p>
+          <a:p>
+            <a:pPr marL="432000" indent="-324000">
               <a:lnSpc>
                 <a:spcPct val="100000"/>
               </a:lnSpc>
@@ -11165,38 +11216,61 @@
               <a:buChar char=""/>
             </a:pPr>
             <a:r>
-              <a:rPr b="0" lang="en-US" sz="1800" spc="-1" strike="noStrike">
-                <a:solidFill>
-                  <a:srgbClr val="c9211e"/>
-                </a:solidFill>
-                <a:latin typeface="Arial"/>
-              </a:rPr>
-              <a:t>[Possibly remove detailed explanation in the interest of time and simplicity</a:t>
-            </a:r>
-            <a:r>
-              <a:rPr b="0" lang="en-US" sz="1800" spc="-1" strike="noStrike">
-                <a:solidFill>
-                  <a:srgbClr val="c9211e"/>
-                </a:solidFill>
-                <a:latin typeface="Arial"/>
-              </a:rPr>
-              <a:t>] </a:t>
-            </a:r>
-            <a:r>
-              <a:rPr b="0" lang="en-US" sz="1800" spc="-1" strike="noStrike">
+              <a:rPr b="0" lang="en-US" sz="3200" spc="-1" strike="noStrike">
                 <a:solidFill>
                   <a:srgbClr val="000000"/>
                 </a:solidFill>
                 <a:latin typeface="Arial"/>
-              </a:rPr>
-              <a:t>We have noticed that this rank for a tree graph can be easily calculated inductively.  By reconstructing an arbitrary tree edge by edge, its rank can be determined by following two rules.</a:t>
-            </a:r>
-            <a:endParaRPr b="0" lang="en-US" sz="1800" spc="-1" strike="noStrike">
-              <a:latin typeface="Arial"/>
-            </a:endParaRPr>
-          </a:p>
-          <a:p>
-            <a:pPr marL="216000" indent="-216000">
+                <a:ea typeface="Noto Sans CJK SC"/>
+              </a:rPr>
+              <a:t>The Jacobian of a Cycle graph is more complex, but easily calculable if the cycle has two paths, or sections of oriented edges with the same orientation.  It is often simply ℤ</a:t>
+            </a:r>
+            <a:r>
+              <a:rPr b="0" lang="en-US" sz="3200" spc="-1" strike="noStrike" baseline="-8000">
+                <a:solidFill>
+                  <a:srgbClr val="000000"/>
+                </a:solidFill>
+                <a:latin typeface="Arial"/>
+                <a:ea typeface="Noto Sans CJK SC"/>
+              </a:rPr>
+              <a:t>n+2 </a:t>
+            </a:r>
+            <a:r>
+              <a:rPr b="0" lang="en-US" sz="3200" spc="-1" strike="noStrike">
+                <a:solidFill>
+                  <a:srgbClr val="000000"/>
+                </a:solidFill>
+                <a:latin typeface="Arial"/>
+                <a:ea typeface="Noto Sans CJK SC"/>
+              </a:rPr>
+              <a:t>, where </a:t>
+            </a:r>
+            <a:r>
+              <a:rPr b="0" i="1" lang="en-US" sz="3200" spc="-1" strike="noStrike">
+                <a:solidFill>
+                  <a:srgbClr val="000000"/>
+                </a:solidFill>
+                <a:latin typeface="Arial"/>
+                <a:ea typeface="Noto Sans CJK SC"/>
+              </a:rPr>
+              <a:t>n</a:t>
+            </a:r>
+            <a:r>
+              <a:rPr b="0" lang="en-US" sz="3200" spc="-1" strike="noStrike">
+                <a:solidFill>
+                  <a:srgbClr val="000000"/>
+                </a:solidFill>
+                <a:latin typeface="Arial"/>
+                <a:ea typeface="Noto Sans CJK SC"/>
+              </a:rPr>
+              <a:t> is the number of zeroes on one size of these paths.</a:t>
+            </a:r>
+            <a:endParaRPr b="0" lang="en-US" sz="3200" spc="-1" strike="noStrike">
+              <a:latin typeface="Arial"/>
+            </a:endParaRPr>
+          </a:p>
+          <a:p>
+            <a:pPr marL="432000" indent="-324000">
               <a:lnSpc>
                 <a:spcPct val="100000"/>
               </a:lnSpc>
@@ -11211,20 +11285,81 @@
               <a:buChar char=""/>
             </a:pPr>
             <a:r>
-              <a:rPr b="0" lang="en-US" sz="1800" spc="-1" strike="noStrike">
+              <a:rPr b="0" lang="en-US" sz="3200" spc="-1" strike="noStrike">
                 <a:solidFill>
                   <a:srgbClr val="000000"/>
                 </a:solidFill>
                 <a:latin typeface="Arial"/>
-              </a:rPr>
-              <a:t>If the next arrow drawn is pointing towards the graph or if it is bidirectional, the rank does not change.</a:t>
-            </a:r>
-            <a:endParaRPr b="0" lang="en-US" sz="1800" spc="-1" strike="noStrike">
-              <a:latin typeface="Arial"/>
-            </a:endParaRPr>
-          </a:p>
-          <a:p>
-            <a:pPr marL="216000" indent="-216000">
+                <a:ea typeface="Noto Sans CJK SC"/>
+              </a:rPr>
+              <a:t>We have discovered that, for these two path cycle graphs, all Jacobians, from trivial</a:t>
+            </a:r>
+            <a:r>
+              <a:rPr b="0" lang="en-US" sz="3200" spc="-1" strike="noStrike" baseline="-8000">
+                <a:solidFill>
+                  <a:srgbClr val="000000"/>
+                </a:solidFill>
+                <a:latin typeface="Arial"/>
+                <a:ea typeface="Noto Sans CJK SC"/>
+              </a:rPr>
+              <a:t> </a:t>
+            </a:r>
+            <a:r>
+              <a:rPr b="0" lang="en-US" sz="3200" spc="-1" strike="noStrike">
+                <a:solidFill>
+                  <a:srgbClr val="000000"/>
+                </a:solidFill>
+                <a:latin typeface="Arial"/>
+                <a:ea typeface="Noto Sans CJK SC"/>
+              </a:rPr>
+              <a:t>to ℤ</a:t>
+            </a:r>
+            <a:r>
+              <a:rPr b="0" lang="en-US" sz="3200" spc="-1" strike="noStrike" baseline="-8000">
+                <a:solidFill>
+                  <a:srgbClr val="000000"/>
+                </a:solidFill>
+                <a:latin typeface="Arial"/>
+                <a:ea typeface="Noto Sans CJK SC"/>
+              </a:rPr>
+              <a:t>n</a:t>
+            </a:r>
+            <a:r>
+              <a:rPr b="0" lang="en-US" sz="3200" spc="-1" strike="noStrike">
+                <a:solidFill>
+                  <a:srgbClr val="000000"/>
+                </a:solidFill>
+                <a:latin typeface="Arial"/>
+                <a:ea typeface="Noto Sans CJK SC"/>
+              </a:rPr>
+              <a:t>, exist for some combination of directed edge orientations.  For these types of graphs, </a:t>
+            </a:r>
+            <a:r>
+              <a:rPr b="0" i="1" lang="en-US" sz="3200" spc="-1" strike="noStrike">
+                <a:solidFill>
+                  <a:srgbClr val="000000"/>
+                </a:solidFill>
+                <a:latin typeface="Arial"/>
+                <a:ea typeface="Noto Sans CJK SC"/>
+              </a:rPr>
+              <a:t>Jac(G)</a:t>
+            </a:r>
+            <a:r>
+              <a:rPr b="0" lang="en-US" sz="3200" spc="-1" strike="noStrike">
+                <a:solidFill>
+                  <a:srgbClr val="000000"/>
+                </a:solidFill>
+                <a:latin typeface="Arial"/>
+                <a:ea typeface="Noto Sans CJK SC"/>
+              </a:rPr>
+              <a:t> can be calculated very quickly.</a:t>
+            </a:r>
+            <a:endParaRPr b="0" lang="en-US" sz="3200" spc="-1" strike="noStrike">
+              <a:latin typeface="Arial"/>
+            </a:endParaRPr>
+          </a:p>
+          <a:p>
+            <a:pPr marL="432000" indent="-324000">
               <a:lnSpc>
                 <a:spcPct val="100000"/>
               </a:lnSpc>
@@ -11239,43 +11374,36 @@
               <a:buChar char=""/>
             </a:pPr>
             <a:r>
-              <a:rPr b="0" lang="en-US" sz="1800" spc="-1" strike="noStrike">
+              <a:rPr b="0" lang="en-US" sz="3200" spc="-1" strike="noStrike">
                 <a:solidFill>
                   <a:srgbClr val="000000"/>
                 </a:solidFill>
                 <a:latin typeface="Arial"/>
-              </a:rPr>
-              <a:t>If the next arrow is pointing towards the new vertex, the rank increases by one.</a:t>
-            </a:r>
-            <a:endParaRPr b="0" lang="en-US" sz="1800" spc="-1" strike="noStrike">
-              <a:latin typeface="Arial"/>
-            </a:endParaRPr>
-          </a:p>
-          <a:p>
-            <a:pPr marL="216000" indent="-216000">
-              <a:lnSpc>
-                <a:spcPct val="100000"/>
-              </a:lnSpc>
-              <a:spcBef>
-                <a:spcPts val="1417"/>
-              </a:spcBef>
-              <a:buClr>
-                <a:srgbClr val="000000"/>
-              </a:buClr>
-              <a:buSzPct val="45000"/>
-              <a:buFont typeface="Wingdings" charset="2"/>
-              <a:buChar char=""/>
-            </a:pPr>
-            <a:r>
-              <a:rPr b="0" lang="en-US" sz="1800" spc="-1" strike="noStrike">
+                <a:ea typeface="Noto Sans CJK SC"/>
+              </a:rPr>
+              <a:t>For all other numbers of paths, we expect them to be primarily confined to the trivial group and ℤ</a:t>
+            </a:r>
+            <a:r>
+              <a:rPr b="0" lang="en-US" sz="3200" spc="-1" strike="noStrike" baseline="-8000">
                 <a:solidFill>
                   <a:srgbClr val="000000"/>
                 </a:solidFill>
                 <a:latin typeface="Arial"/>
-              </a:rPr>
-              <a:t>The rank of a tree corresponds to the number of terminal strong components of that tree, sections that are only connected to the rest of the graph by an incoming edge and have a path between all of its member vertices.</a:t>
-            </a:r>
-            <a:endParaRPr b="0" lang="en-US" sz="1800" spc="-1" strike="noStrike">
+                <a:ea typeface="Noto Sans CJK SC"/>
+              </a:rPr>
+              <a:t>2</a:t>
+            </a:r>
+            <a:r>
+              <a:rPr b="0" lang="en-US" sz="3200" spc="-1" strike="noStrike">
+                <a:solidFill>
+                  <a:srgbClr val="000000"/>
+                </a:solidFill>
+                <a:latin typeface="Arial"/>
+                <a:ea typeface="Noto Sans CJK SC"/>
+              </a:rPr>
+              <a:t>.  If this conjecture is true, we will be able to completely describe the Jacobian of all Cycle graphs.</a:t>
+            </a:r>
+            <a:endParaRPr b="0" lang="en-US" sz="3200" spc="-1" strike="noStrike">
               <a:latin typeface="Arial"/>
             </a:endParaRPr>
           </a:p>
@@ -11313,7 +11441,7 @@
       </p:grpSpPr>
       <p:sp>
         <p:nvSpPr>
-          <p:cNvPr id="202" name="PlaceHolder 1"/>
+          <p:cNvPr id="209" name="PlaceHolder 1"/>
           <p:cNvSpPr>
             <a:spLocks noGrp="1"/>
           </p:cNvSpPr>
@@ -11323,8 +11451,8 @@
         </p:nvSpPr>
         <p:spPr>
           <a:xfrm>
-            <a:off x="360000" y="-39960"/>
-            <a:ext cx="9357840" cy="1248480"/>
+            <a:off x="360000" y="225720"/>
+            <a:ext cx="9357120" cy="716040"/>
           </a:xfrm>
           <a:prstGeom prst="rect">
             <a:avLst/>
@@ -11352,252 +11480,6 @@
                 </a:solidFill>
                 <a:latin typeface="Arial"/>
               </a:rPr>
-              <a:t>Finding The Jacobian of a Tree or Cycle Graph</a:t>
-            </a:r>
-            <a:endParaRPr b="0" lang="en-US" sz="4400" spc="-1" strike="noStrike">
-              <a:latin typeface="Arial"/>
-            </a:endParaRPr>
-          </a:p>
-        </p:txBody>
-      </p:sp>
-      <p:sp>
-        <p:nvSpPr>
-          <p:cNvPr id="203" name="PlaceHolder 2"/>
-          <p:cNvSpPr>
-            <a:spLocks noGrp="1"/>
-          </p:cNvSpPr>
-          <p:nvPr>
-            <p:ph/>
-          </p:nvPr>
-        </p:nvSpPr>
-        <p:spPr>
-          <a:xfrm>
-            <a:off x="360000" y="1485000"/>
-            <a:ext cx="9357840" cy="3777840"/>
-          </a:xfrm>
-          <a:prstGeom prst="rect">
-            <a:avLst/>
-          </a:prstGeom>
-          <a:noFill/>
-          <a:ln w="0">
-            <a:noFill/>
-          </a:ln>
-        </p:spPr>
-        <p:txBody>
-          <a:bodyPr lIns="0" rIns="0" tIns="0" bIns="0" anchor="t">
-            <a:normAutofit fontScale="73000"/>
-          </a:bodyPr>
-          <a:p>
-            <a:pPr marL="432000" indent="-324000">
-              <a:lnSpc>
-                <a:spcPct val="100000"/>
-              </a:lnSpc>
-              <a:spcBef>
-                <a:spcPts val="1417"/>
-              </a:spcBef>
-              <a:buClr>
-                <a:srgbClr val="000000"/>
-              </a:buClr>
-              <a:buSzPct val="45000"/>
-              <a:buFont typeface="Wingdings" charset="2"/>
-              <a:buChar char=""/>
-            </a:pPr>
-            <a:r>
-              <a:rPr b="0" lang="en-US" sz="3200" spc="-1" strike="noStrike">
-                <a:solidFill>
-                  <a:srgbClr val="000000"/>
-                </a:solidFill>
-                <a:latin typeface="Arial"/>
-              </a:rPr>
-              <a:t>The Jacobian of a tree is simple, it is always the trivial group, or that the winning configurations of a tree can be described very simply.</a:t>
-            </a:r>
-            <a:endParaRPr b="0" lang="en-US" sz="3200" spc="-1" strike="noStrike">
-              <a:latin typeface="Arial"/>
-            </a:endParaRPr>
-          </a:p>
-          <a:p>
-            <a:pPr marL="432000" indent="-324000">
-              <a:lnSpc>
-                <a:spcPct val="100000"/>
-              </a:lnSpc>
-              <a:spcBef>
-                <a:spcPts val="1417"/>
-              </a:spcBef>
-              <a:buClr>
-                <a:srgbClr val="000000"/>
-              </a:buClr>
-              <a:buSzPct val="45000"/>
-              <a:buFont typeface="Wingdings" charset="2"/>
-              <a:buChar char=""/>
-            </a:pPr>
-            <a:r>
-              <a:rPr b="0" lang="en-US" sz="3200" spc="-1" strike="noStrike">
-                <a:solidFill>
-                  <a:srgbClr val="000000"/>
-                </a:solidFill>
-                <a:latin typeface="Arial"/>
-              </a:rPr>
-              <a:t>The Jacobian of a Cycle graph is more complex, but easily calculable if the cycle has two paths, or sections of oriented edges with the same orientation.</a:t>
-            </a:r>
-            <a:endParaRPr b="0" lang="en-US" sz="3200" spc="-1" strike="noStrike">
-              <a:latin typeface="Arial"/>
-            </a:endParaRPr>
-          </a:p>
-          <a:p>
-            <a:pPr marL="432000" indent="-324000">
-              <a:lnSpc>
-                <a:spcPct val="100000"/>
-              </a:lnSpc>
-              <a:spcBef>
-                <a:spcPts val="1417"/>
-              </a:spcBef>
-              <a:buClr>
-                <a:srgbClr val="000000"/>
-              </a:buClr>
-              <a:buSzPct val="45000"/>
-              <a:buFont typeface="Wingdings" charset="2"/>
-              <a:buChar char=""/>
-            </a:pPr>
-            <a:r>
-              <a:rPr b="0" lang="en-US" sz="3200" spc="-1" strike="noStrike">
-                <a:solidFill>
-                  <a:srgbClr val="000000"/>
-                </a:solidFill>
-                <a:latin typeface="Arial"/>
-              </a:rPr>
-              <a:t>We have discovered that, for this special type of cycle graph, all Jacobians, ℤ</a:t>
-            </a:r>
-            <a:r>
-              <a:rPr b="0" lang="en-US" sz="3200" spc="-1" strike="noStrike" baseline="-8000">
-                <a:solidFill>
-                  <a:srgbClr val="000000"/>
-                </a:solidFill>
-                <a:latin typeface="Arial"/>
-              </a:rPr>
-              <a:t>1  </a:t>
-            </a:r>
-            <a:r>
-              <a:rPr b="0" lang="en-US" sz="3200" spc="-1" strike="noStrike">
-                <a:solidFill>
-                  <a:srgbClr val="000000"/>
-                </a:solidFill>
-                <a:latin typeface="Arial"/>
-              </a:rPr>
-              <a:t>to ℤ</a:t>
-            </a:r>
-            <a:r>
-              <a:rPr b="0" lang="en-US" sz="3200" spc="-1" strike="noStrike" baseline="-8000">
-                <a:solidFill>
-                  <a:srgbClr val="000000"/>
-                </a:solidFill>
-                <a:latin typeface="Arial"/>
-              </a:rPr>
-              <a:t>n</a:t>
-            </a:r>
-            <a:r>
-              <a:rPr b="0" lang="en-US" sz="3200" spc="-1" strike="noStrike">
-                <a:solidFill>
-                  <a:srgbClr val="000000"/>
-                </a:solidFill>
-                <a:latin typeface="Arial"/>
-              </a:rPr>
-              <a:t> exist for some combination of directed edge orientations.  For these types of graphs, </a:t>
-            </a:r>
-            <a:r>
-              <a:rPr b="0" i="1" lang="en-US" sz="3200" spc="-1" strike="noStrike">
-                <a:solidFill>
-                  <a:srgbClr val="000000"/>
-                </a:solidFill>
-                <a:latin typeface="Arial"/>
-              </a:rPr>
-              <a:t>Jac(G)</a:t>
-            </a:r>
-            <a:r>
-              <a:rPr b="0" lang="en-US" sz="3200" spc="-1" strike="noStrike">
-                <a:solidFill>
-                  <a:srgbClr val="000000"/>
-                </a:solidFill>
-                <a:latin typeface="Arial"/>
-              </a:rPr>
-              <a:t> can be calculated very quickly.</a:t>
-            </a:r>
-            <a:endParaRPr b="0" lang="en-US" sz="3200" spc="-1" strike="noStrike">
-              <a:latin typeface="Arial"/>
-            </a:endParaRPr>
-          </a:p>
-        </p:txBody>
-      </p:sp>
-    </p:spTree>
-  </p:cSld>
-  <mc:AlternateContent>
-    <mc:Choice Requires="p14">
-      <p:transition spd="slow" p14:dur="2000"/>
-    </mc:Choice>
-    <mc:Fallback>
-      <p:transition spd="slow"/>
-    </mc:Fallback>
-  </mc:AlternateContent>
-</p:sld>
-</file>
-
-<file path=ppt/slides/slide15.xml><?xml version="1.0" encoding="utf-8"?>
-<p:sld xmlns:a="http://schemas.openxmlformats.org/drawingml/2006/main" xmlns:p="http://schemas.openxmlformats.org/presentationml/2006/main" xmlns:r="http://schemas.openxmlformats.org/officeDocument/2006/relationships" xmlns:p14="http://schemas.microsoft.com/office/powerpoint/2010/main" xmlns:p15="http://schemas.microsoft.com/office/powerpoint/2012/main" xmlns:mc="http://schemas.openxmlformats.org/markup-compatibility/2006">
-  <p:cSld>
-    <p:spTree>
-      <p:nvGrpSpPr>
-        <p:cNvPr id="1" name=""/>
-        <p:cNvGrpSpPr/>
-        <p:nvPr/>
-      </p:nvGrpSpPr>
-      <p:grpSpPr>
-        <a:xfrm>
-          <a:off x="0" y="0"/>
-          <a:ext cx="0" cy="0"/>
-          <a:chOff x="0" y="0"/>
-          <a:chExt cx="0" cy="0"/>
-        </a:xfrm>
-      </p:grpSpPr>
-      <p:sp>
-        <p:nvSpPr>
-          <p:cNvPr id="204" name="PlaceHolder 1"/>
-          <p:cNvSpPr>
-            <a:spLocks noGrp="1"/>
-          </p:cNvSpPr>
-          <p:nvPr>
-            <p:ph type="title"/>
-          </p:nvPr>
-        </p:nvSpPr>
-        <p:spPr>
-          <a:xfrm>
-            <a:off x="360000" y="225720"/>
-            <a:ext cx="9357840" cy="716760"/>
-          </a:xfrm>
-          <a:prstGeom prst="rect">
-            <a:avLst/>
-          </a:prstGeom>
-          <a:noFill/>
-          <a:ln w="0">
-            <a:noFill/>
-          </a:ln>
-        </p:spPr>
-        <p:txBody>
-          <a:bodyPr lIns="0" rIns="0" tIns="0" bIns="0" anchor="ctr">
-            <a:noAutofit/>
-          </a:bodyPr>
-          <a:p>
-            <a:pPr algn="ctr">
-              <a:lnSpc>
-                <a:spcPct val="100000"/>
-              </a:lnSpc>
-              <a:buNone/>
-            </a:pPr>
-            <a:r>
-              <a:rPr b="0" lang="en-US" sz="4400" spc="-1" strike="noStrike">
-                <a:solidFill>
-                  <a:srgbClr val="ffffff"/>
-                </a:solidFill>
-                <a:latin typeface="Arial"/>
-              </a:rPr>
               <a:t>Finding The Jacobian of a Cycle Graph</a:t>
             </a:r>
             <a:endParaRPr b="0" lang="en-US" sz="4400" spc="-1" strike="noStrike">
@@ -11608,7 +11490,7 @@
       </p:sp>
       <p:pic>
         <p:nvPicPr>
-          <p:cNvPr id="205" name="" descr=""/>
+          <p:cNvPr id="210" name="" descr=""/>
           <p:cNvPicPr/>
           <p:nvPr/>
         </p:nvPicPr>
@@ -11619,7 +11501,7 @@
         <p:spPr>
           <a:xfrm>
             <a:off x="799920" y="2743200"/>
-            <a:ext cx="3542040" cy="2656080"/>
+            <a:ext cx="3541320" cy="2655360"/>
           </a:xfrm>
           <a:prstGeom prst="rect">
             <a:avLst/>
@@ -11631,7 +11513,7 @@
       </p:pic>
       <p:pic>
         <p:nvPicPr>
-          <p:cNvPr id="206" name="" descr=""/>
+          <p:cNvPr id="211" name="" descr=""/>
           <p:cNvPicPr/>
           <p:nvPr/>
         </p:nvPicPr>
@@ -11642,7 +11524,7 @@
         <p:spPr>
           <a:xfrm>
             <a:off x="5715000" y="2743200"/>
-            <a:ext cx="3542040" cy="2656080"/>
+            <a:ext cx="3541320" cy="2655360"/>
           </a:xfrm>
           <a:prstGeom prst="rect">
             <a:avLst/>
@@ -11654,7 +11536,7 @@
       </p:pic>
       <p:pic>
         <p:nvPicPr>
-          <p:cNvPr id="207" name="" descr=""/>
+          <p:cNvPr id="212" name="" descr=""/>
           <p:cNvPicPr/>
           <p:nvPr/>
         </p:nvPicPr>
@@ -11665,7 +11547,7 @@
         <p:spPr>
           <a:xfrm>
             <a:off x="3314520" y="1228680"/>
-            <a:ext cx="3542040" cy="2656080"/>
+            <a:ext cx="3541320" cy="2655360"/>
           </a:xfrm>
           <a:prstGeom prst="rect">
             <a:avLst/>
@@ -11677,14 +11559,14 @@
       </p:pic>
       <p:sp>
         <p:nvSpPr>
-          <p:cNvPr id="208" name=""/>
+          <p:cNvPr id="213" name=""/>
           <p:cNvSpPr/>
           <p:nvPr/>
         </p:nvSpPr>
         <p:spPr>
           <a:xfrm rot="18160800">
-            <a:off x="3656880" y="2286360"/>
-            <a:ext cx="1370160" cy="227160"/>
+            <a:off x="3656160" y="2286360"/>
+            <a:ext cx="1369440" cy="226440"/>
           </a:xfrm>
           <a:custGeom>
             <a:avLst/>
@@ -11745,14 +11627,14 @@
       </p:sp>
       <p:sp>
         <p:nvSpPr>
-          <p:cNvPr id="209" name=""/>
+          <p:cNvPr id="214" name=""/>
           <p:cNvSpPr/>
           <p:nvPr/>
         </p:nvSpPr>
         <p:spPr>
           <a:xfrm rot="3178800">
-            <a:off x="5395320" y="2195280"/>
-            <a:ext cx="912960" cy="227160"/>
+            <a:off x="5395320" y="2194560"/>
+            <a:ext cx="912240" cy="226440"/>
           </a:xfrm>
           <a:custGeom>
             <a:avLst/>
@@ -11804,14 +11686,14 @@
       </p:sp>
       <p:sp>
         <p:nvSpPr>
-          <p:cNvPr id="210" name=""/>
+          <p:cNvPr id="215" name=""/>
           <p:cNvSpPr/>
           <p:nvPr/>
         </p:nvSpPr>
         <p:spPr>
           <a:xfrm>
             <a:off x="4800600" y="3429000"/>
-            <a:ext cx="912960" cy="227160"/>
+            <a:ext cx="912240" cy="226440"/>
           </a:xfrm>
           <a:custGeom>
             <a:avLst/>
@@ -11863,14 +11745,14 @@
       </p:sp>
       <p:sp>
         <p:nvSpPr>
-          <p:cNvPr id="211" name=""/>
+          <p:cNvPr id="216" name=""/>
           <p:cNvSpPr/>
           <p:nvPr/>
         </p:nvSpPr>
         <p:spPr>
           <a:xfrm rot="18160800">
-            <a:off x="1151280" y="3954240"/>
-            <a:ext cx="1370160" cy="227160"/>
+            <a:off x="1150560" y="3954240"/>
+            <a:ext cx="1369440" cy="226440"/>
           </a:xfrm>
           <a:custGeom>
             <a:avLst/>
@@ -11931,14 +11813,14 @@
       </p:sp>
       <p:sp>
         <p:nvSpPr>
-          <p:cNvPr id="212" name=""/>
+          <p:cNvPr id="217" name=""/>
           <p:cNvSpPr/>
           <p:nvPr/>
         </p:nvSpPr>
         <p:spPr>
           <a:xfrm rot="14195400">
-            <a:off x="2727360" y="3823200"/>
-            <a:ext cx="1370160" cy="227160"/>
+            <a:off x="2727000" y="3823920"/>
+            <a:ext cx="1369440" cy="226440"/>
           </a:xfrm>
           <a:custGeom>
             <a:avLst/>
@@ -11999,14 +11881,14 @@
       </p:sp>
       <p:sp>
         <p:nvSpPr>
-          <p:cNvPr id="213" name=""/>
+          <p:cNvPr id="218" name=""/>
           <p:cNvSpPr/>
           <p:nvPr/>
         </p:nvSpPr>
         <p:spPr>
           <a:xfrm rot="21568800">
-            <a:off x="1817640" y="4960080"/>
-            <a:ext cx="1370160" cy="227160"/>
+            <a:off x="1816920" y="4959360"/>
+            <a:ext cx="1369440" cy="226440"/>
           </a:xfrm>
           <a:custGeom>
             <a:avLst/>
@@ -12067,14 +11949,14 @@
       </p:sp>
       <p:sp>
         <p:nvSpPr>
-          <p:cNvPr id="214" name=""/>
+          <p:cNvPr id="219" name=""/>
           <p:cNvSpPr/>
           <p:nvPr/>
         </p:nvSpPr>
         <p:spPr>
           <a:xfrm>
             <a:off x="7086600" y="5029200"/>
-            <a:ext cx="912960" cy="227160"/>
+            <a:ext cx="912240" cy="226440"/>
           </a:xfrm>
           <a:custGeom>
             <a:avLst/>
@@ -12126,14 +12008,14 @@
       </p:sp>
       <p:sp>
         <p:nvSpPr>
-          <p:cNvPr id="215" name=""/>
+          <p:cNvPr id="220" name=""/>
           <p:cNvSpPr/>
           <p:nvPr/>
         </p:nvSpPr>
         <p:spPr>
           <a:xfrm rot="13918800">
-            <a:off x="7857720" y="3799440"/>
-            <a:ext cx="912960" cy="227160"/>
+            <a:off x="7857360" y="3800160"/>
+            <a:ext cx="912240" cy="226440"/>
           </a:xfrm>
           <a:custGeom>
             <a:avLst/>
@@ -12185,14 +12067,14 @@
       </p:sp>
       <p:sp>
         <p:nvSpPr>
-          <p:cNvPr id="216" name=""/>
+          <p:cNvPr id="221" name=""/>
           <p:cNvSpPr/>
           <p:nvPr/>
         </p:nvSpPr>
         <p:spPr>
           <a:xfrm rot="7579800">
-            <a:off x="6307560" y="3792600"/>
-            <a:ext cx="912960" cy="227160"/>
+            <a:off x="6307920" y="3792240"/>
+            <a:ext cx="912240" cy="226440"/>
           </a:xfrm>
           <a:custGeom>
             <a:avLst/>
@@ -12255,6 +12137,308 @@
 </p:sld>
 </file>
 
+<file path=ppt/slides/slide15.xml><?xml version="1.0" encoding="utf-8"?>
+<p:sld xmlns:a="http://schemas.openxmlformats.org/drawingml/2006/main" xmlns:p="http://schemas.openxmlformats.org/presentationml/2006/main" xmlns:r="http://schemas.openxmlformats.org/officeDocument/2006/relationships" xmlns:p14="http://schemas.microsoft.com/office/powerpoint/2010/main" xmlns:p15="http://schemas.microsoft.com/office/powerpoint/2012/main" xmlns:mc="http://schemas.openxmlformats.org/markup-compatibility/2006">
+  <p:cSld>
+    <p:spTree>
+      <p:nvGrpSpPr>
+        <p:cNvPr id="1" name=""/>
+        <p:cNvGrpSpPr/>
+        <p:nvPr/>
+      </p:nvGrpSpPr>
+      <p:grpSpPr>
+        <a:xfrm>
+          <a:off x="0" y="0"/>
+          <a:ext cx="0" cy="0"/>
+          <a:chOff x="0" y="0"/>
+          <a:chExt cx="0" cy="0"/>
+        </a:xfrm>
+      </p:grpSpPr>
+      <p:sp>
+        <p:nvSpPr>
+          <p:cNvPr id="222" name="PlaceHolder 1"/>
+          <p:cNvSpPr>
+            <a:spLocks noGrp="1"/>
+          </p:cNvSpPr>
+          <p:nvPr>
+            <p:ph type="title"/>
+          </p:nvPr>
+        </p:nvSpPr>
+        <p:spPr>
+          <a:xfrm>
+            <a:off x="360000" y="-39960"/>
+            <a:ext cx="9357120" cy="1247760"/>
+          </a:xfrm>
+          <a:prstGeom prst="rect">
+            <a:avLst/>
+          </a:prstGeom>
+          <a:noFill/>
+          <a:ln w="0">
+            <a:noFill/>
+          </a:ln>
+        </p:spPr>
+        <p:txBody>
+          <a:bodyPr lIns="0" rIns="0" tIns="0" bIns="0" anchor="ctr">
+            <a:noAutofit/>
+          </a:bodyPr>
+          <a:p>
+            <a:pPr algn="ctr">
+              <a:lnSpc>
+                <a:spcPct val="100000"/>
+              </a:lnSpc>
+              <a:buNone/>
+            </a:pPr>
+            <a:r>
+              <a:rPr b="0" lang="en-US" sz="4400" spc="-1" strike="noStrike">
+                <a:solidFill>
+                  <a:srgbClr val="ffffff"/>
+                </a:solidFill>
+                <a:latin typeface="Arial"/>
+              </a:rPr>
+              <a:t>Finding The Picard Group of Trees and Cycle Graphs</a:t>
+            </a:r>
+            <a:endParaRPr b="0" lang="en-US" sz="4400" spc="-1" strike="noStrike">
+              <a:latin typeface="Arial"/>
+            </a:endParaRPr>
+          </a:p>
+        </p:txBody>
+      </p:sp>
+      <p:sp>
+        <p:nvSpPr>
+          <p:cNvPr id="223" name="PlaceHolder 2"/>
+          <p:cNvSpPr>
+            <a:spLocks noGrp="1"/>
+          </p:cNvSpPr>
+          <p:nvPr>
+            <p:ph/>
+          </p:nvPr>
+        </p:nvSpPr>
+        <p:spPr>
+          <a:xfrm>
+            <a:off x="360000" y="1485000"/>
+            <a:ext cx="9357120" cy="3777120"/>
+          </a:xfrm>
+          <a:prstGeom prst="rect">
+            <a:avLst/>
+          </a:prstGeom>
+          <a:noFill/>
+          <a:ln w="0">
+            <a:noFill/>
+          </a:ln>
+        </p:spPr>
+        <p:txBody>
+          <a:bodyPr lIns="0" rIns="0" tIns="0" bIns="0" anchor="t">
+            <a:normAutofit fontScale="92000"/>
+          </a:bodyPr>
+          <a:p>
+            <a:pPr marL="216000" indent="-216000">
+              <a:lnSpc>
+                <a:spcPct val="100000"/>
+              </a:lnSpc>
+              <a:spcBef>
+                <a:spcPts val="1417"/>
+              </a:spcBef>
+              <a:buClr>
+                <a:srgbClr val="000000"/>
+              </a:buClr>
+              <a:buSzPct val="45000"/>
+              <a:buFont typeface="Wingdings" charset="2"/>
+              <a:buChar char=""/>
+            </a:pPr>
+            <a:r>
+              <a:rPr b="0" lang="en-US" sz="2100" spc="-1" strike="noStrike">
+                <a:latin typeface="Arial"/>
+                <a:ea typeface="Noto Sans CJK SC"/>
+              </a:rPr>
+              <a:t>After finding the Jacobian, we only have to find the Picard Group’s rank to complete our description of it.</a:t>
+            </a:r>
+            <a:endParaRPr b="0" lang="en-US" sz="2100" spc="-1" strike="noStrike">
+              <a:latin typeface="Arial"/>
+            </a:endParaRPr>
+          </a:p>
+          <a:p>
+            <a:pPr marL="216000" indent="-216000">
+              <a:lnSpc>
+                <a:spcPct val="100000"/>
+              </a:lnSpc>
+              <a:spcBef>
+                <a:spcPts val="1417"/>
+              </a:spcBef>
+              <a:buClr>
+                <a:srgbClr val="000000"/>
+              </a:buClr>
+              <a:buSzPct val="45000"/>
+              <a:buFont typeface="Wingdings" charset="2"/>
+              <a:buChar char=""/>
+            </a:pPr>
+            <a:r>
+              <a:rPr b="0" lang="en-US" sz="2100" spc="-1" strike="noStrike">
+                <a:latin typeface="Arial"/>
+                <a:ea typeface="Noto Sans CJK SC"/>
+              </a:rPr>
+              <a:t>The Picard group is commonly written in the form </a:t>
+            </a:r>
+            <a:r>
+              <a:rPr b="0" i="1" lang="en-US" sz="2100" spc="-1" strike="noStrike">
+                <a:latin typeface="Arial"/>
+                <a:ea typeface="Noto Sans CJK SC"/>
+              </a:rPr>
+              <a:t>Pic(G) = Jac(G) x ℤ</a:t>
+            </a:r>
+            <a:r>
+              <a:rPr b="0" i="1" lang="en-US" sz="2100" spc="-1" strike="noStrike" baseline="33000">
+                <a:latin typeface="Arial"/>
+                <a:ea typeface="Noto Sans CJK SC"/>
+              </a:rPr>
+              <a:t>n</a:t>
+            </a:r>
+            <a:r>
+              <a:rPr b="0" lang="en-US" sz="2100" spc="-1" strike="noStrike">
+                <a:latin typeface="Arial"/>
+                <a:ea typeface="Noto Sans CJK SC"/>
+              </a:rPr>
+              <a:t>, where </a:t>
+            </a:r>
+            <a:r>
+              <a:rPr b="0" i="1" lang="en-US" sz="2100" spc="-1" strike="noStrike">
+                <a:latin typeface="Arial"/>
+                <a:ea typeface="Noto Sans CJK SC"/>
+              </a:rPr>
+              <a:t>n</a:t>
+            </a:r>
+            <a:r>
+              <a:rPr b="0" lang="en-US" sz="2100" spc="-1" strike="noStrike">
+                <a:latin typeface="Arial"/>
+                <a:ea typeface="Noto Sans CJK SC"/>
+              </a:rPr>
+              <a:t> is the rank of the Picard group. Here, </a:t>
+            </a:r>
+            <a:r>
+              <a:rPr b="0" i="1" lang="en-US" sz="2100" spc="-1" strike="noStrike">
+                <a:latin typeface="Arial"/>
+                <a:ea typeface="Noto Sans CJK SC"/>
+              </a:rPr>
+              <a:t>ℤ</a:t>
+            </a:r>
+            <a:r>
+              <a:rPr b="0" i="1" lang="en-US" sz="2100" spc="-1" strike="noStrike" baseline="33000">
+                <a:latin typeface="Arial"/>
+                <a:ea typeface="Noto Sans CJK SC"/>
+              </a:rPr>
+              <a:t>n</a:t>
+            </a:r>
+            <a:r>
+              <a:rPr b="0" i="1" lang="en-US" sz="2100" spc="-1" strike="noStrike">
+                <a:latin typeface="Arial"/>
+                <a:ea typeface="Noto Sans CJK SC"/>
+              </a:rPr>
+              <a:t> </a:t>
+            </a:r>
+            <a:r>
+              <a:rPr b="0" lang="en-US" sz="2100" spc="-1" strike="noStrike">
+                <a:latin typeface="Arial"/>
+                <a:ea typeface="Noto Sans CJK SC"/>
+              </a:rPr>
+              <a:t>represents the different ways the chips are initially placed on the graph.  The larger </a:t>
+            </a:r>
+            <a:r>
+              <a:rPr b="0" i="1" lang="en-US" sz="2100" spc="-1" strike="noStrike">
+                <a:latin typeface="Arial"/>
+                <a:ea typeface="Noto Sans CJK SC"/>
+              </a:rPr>
+              <a:t>n</a:t>
+            </a:r>
+            <a:r>
+              <a:rPr b="0" lang="en-US" sz="2100" spc="-1" strike="noStrike">
+                <a:latin typeface="Arial"/>
+                <a:ea typeface="Noto Sans CJK SC"/>
+              </a:rPr>
+              <a:t> is, the more ways a game can be initially set up.</a:t>
+            </a:r>
+            <a:r>
+              <a:rPr b="0" i="1" lang="en-US" sz="2100" spc="-1" strike="noStrike">
+                <a:latin typeface="Arial"/>
+                <a:ea typeface="Noto Sans CJK SC"/>
+              </a:rPr>
+              <a:t> </a:t>
+            </a:r>
+            <a:endParaRPr b="0" lang="en-US" sz="2100" spc="-1" strike="noStrike">
+              <a:latin typeface="Arial"/>
+            </a:endParaRPr>
+          </a:p>
+          <a:p>
+            <a:pPr marL="216000" indent="-216000">
+              <a:lnSpc>
+                <a:spcPct val="100000"/>
+              </a:lnSpc>
+              <a:spcBef>
+                <a:spcPts val="1417"/>
+              </a:spcBef>
+              <a:buClr>
+                <a:srgbClr val="000000"/>
+              </a:buClr>
+              <a:buSzPct val="45000"/>
+              <a:buFont typeface="Wingdings" charset="2"/>
+              <a:buChar char=""/>
+            </a:pPr>
+            <a:r>
+              <a:rPr b="0" lang="en-US" sz="2100" spc="-1" strike="noStrike">
+                <a:solidFill>
+                  <a:srgbClr val="000000"/>
+                </a:solidFill>
+                <a:latin typeface="Arial"/>
+                <a:ea typeface="Noto Sans CJK SC"/>
+              </a:rPr>
+              <a:t>We noticed that the rank of any graph corresponds to the number of terminal strong components in it.  These are sections of a graph that are connected within, but only have one-way entrances coming from the rest of the graph.</a:t>
+            </a:r>
+            <a:endParaRPr b="0" lang="en-US" sz="2100" spc="-1" strike="noStrike">
+              <a:latin typeface="Arial"/>
+            </a:endParaRPr>
+          </a:p>
+          <a:p>
+            <a:pPr marL="216000" indent="-216000">
+              <a:lnSpc>
+                <a:spcPct val="100000"/>
+              </a:lnSpc>
+              <a:spcBef>
+                <a:spcPts val="1417"/>
+              </a:spcBef>
+              <a:buClr>
+                <a:srgbClr val="000000"/>
+              </a:buClr>
+              <a:buSzPct val="45000"/>
+              <a:buFont typeface="Wingdings" charset="2"/>
+              <a:buChar char=""/>
+            </a:pPr>
+            <a:r>
+              <a:rPr b="0" lang="en-US" sz="2100" spc="-1" strike="noStrike">
+                <a:solidFill>
+                  <a:srgbClr val="000000"/>
+                </a:solidFill>
+                <a:latin typeface="Arial"/>
+                <a:ea typeface="Noto Sans CJK SC"/>
+              </a:rPr>
+              <a:t>For trees, we can prove this inductively, reconstructing the tree vertex by vertex to prove our theory.  For all other graphs, this is strongly suggested experimentally.</a:t>
+            </a:r>
+            <a:endParaRPr b="0" lang="en-US" sz="2100" spc="-1" strike="noStrike">
+              <a:latin typeface="Arial"/>
+            </a:endParaRPr>
+          </a:p>
+        </p:txBody>
+      </p:sp>
+    </p:spTree>
+  </p:cSld>
+  <mc:AlternateContent>
+    <mc:Choice Requires="p14">
+      <p:transition spd="slow" p14:dur="2000"/>
+    </mc:Choice>
+    <mc:Fallback>
+      <p:transition spd="slow"/>
+    </mc:Fallback>
+  </mc:AlternateContent>
+</p:sld>
+</file>
+
 <file path=ppt/slides/slide16.xml><?xml version="1.0" encoding="utf-8"?>
 <p:sld xmlns:a="http://schemas.openxmlformats.org/drawingml/2006/main" xmlns:p="http://schemas.openxmlformats.org/presentationml/2006/main" xmlns:r="http://schemas.openxmlformats.org/officeDocument/2006/relationships" xmlns:p14="http://schemas.microsoft.com/office/powerpoint/2010/main" xmlns:p15="http://schemas.microsoft.com/office/powerpoint/2012/main" xmlns:mc="http://schemas.openxmlformats.org/markup-compatibility/2006">
   <p:cSld>
@@ -12274,7 +12458,7 @@
       </p:grpSpPr>
       <p:sp>
         <p:nvSpPr>
-          <p:cNvPr id="217" name="PlaceHolder 1"/>
+          <p:cNvPr id="224" name="PlaceHolder 1"/>
           <p:cNvSpPr>
             <a:spLocks noGrp="1"/>
           </p:cNvSpPr>
@@ -12285,7 +12469,7 @@
         <p:spPr>
           <a:xfrm>
             <a:off x="360000" y="-39960"/>
-            <a:ext cx="9357840" cy="1248480"/>
+            <a:ext cx="9357120" cy="1247760"/>
           </a:xfrm>
           <a:prstGeom prst="rect">
             <a:avLst/>
@@ -12323,7 +12507,7 @@
       </p:sp>
       <p:sp>
         <p:nvSpPr>
-          <p:cNvPr id="218" name="PlaceHolder 2"/>
+          <p:cNvPr id="225" name="PlaceHolder 2"/>
           <p:cNvSpPr>
             <a:spLocks noGrp="1"/>
           </p:cNvSpPr>
@@ -12334,7 +12518,7 @@
         <p:spPr>
           <a:xfrm>
             <a:off x="360000" y="1485000"/>
-            <a:ext cx="9468360" cy="3777840"/>
+            <a:ext cx="9467640" cy="3777120"/>
           </a:xfrm>
           <a:prstGeom prst="rect">
             <a:avLst/>
@@ -12348,6 +12532,30 @@
           <a:bodyPr lIns="0" rIns="0" tIns="0" bIns="0" anchor="t">
             <a:normAutofit/>
           </a:bodyPr>
+          <a:p>
+            <a:pPr>
+              <a:lnSpc>
+                <a:spcPct val="100000"/>
+              </a:lnSpc>
+              <a:spcBef>
+                <a:spcPts val="1417"/>
+              </a:spcBef>
+              <a:buNone/>
+            </a:pPr>
+            <a:r>
+              <a:rPr b="0" lang="en-US" sz="2100" spc="-1" strike="noStrike">
+                <a:solidFill>
+                  <a:srgbClr val="000000"/>
+                </a:solidFill>
+                <a:latin typeface="Arial"/>
+                <a:ea typeface="JetBrains Mono"/>
+              </a:rPr>
+              <a:t>The next step in applying our findings to further graphs is by constructing a pseudo-tree.  A Pseudo-tree can be created by gluing a tree to a cycle graph in one of two ways.</a:t>
+            </a:r>
+            <a:endParaRPr b="0" lang="en-US" sz="2100" spc="-1" strike="noStrike">
+              <a:latin typeface="Arial"/>
+            </a:endParaRPr>
+          </a:p>
           <a:p>
             <a:pPr marL="432000" indent="-324000">
               <a:lnSpc>
@@ -12371,7 +12579,7 @@
                 <a:latin typeface="Arial"/>
                 <a:ea typeface="JetBrains Mono"/>
               </a:rPr>
-              <a:t>A Pseudo-tree can be created by gluing a tree to a cycle graph in one of two ways.</a:t>
+              <a:t>By Vertex – Here, whichever vertices will be glued together will be merged into one vertex.  With this way of gluing, one vertex will be shared between the two glued graphs.</a:t>
             </a:r>
             <a:endParaRPr b="0" lang="en-US" sz="2100" spc="-1" strike="noStrike">
               <a:latin typeface="Arial"/>
@@ -12400,27 +12608,8 @@
                 <a:latin typeface="Arial"/>
                 <a:ea typeface="JetBrains Mono"/>
               </a:rPr>
-              <a:t>By Vertex – Here, whichever vertices will be glued together will be merged into one vertex.  With this way of gluing, one vertex will be shared between the two glued graphs.</a:t>
-            </a:r>
-            <a:endParaRPr b="0" lang="en-US" sz="2100" spc="-1" strike="noStrike">
-              <a:latin typeface="Arial"/>
-            </a:endParaRPr>
-          </a:p>
-          <a:p>
-            <a:pPr marL="432000" indent="-324000">
-              <a:lnSpc>
-                <a:spcPct val="100000"/>
-              </a:lnSpc>
-              <a:spcBef>
-                <a:spcPts val="1417"/>
-              </a:spcBef>
-              <a:buClr>
-                <a:srgbClr val="000000"/>
-              </a:buClr>
-              <a:buSzPct val="45000"/>
-              <a:buFont typeface="Wingdings" charset="2"/>
-              <a:buChar char=""/>
-            </a:pPr>
+              <a:t>By Edge – With this method, the two graphs are joined by an additional edge.  This helps to preserve the attributes of the original graphs into the resulting glues pseudo-tree, such as the Jacobian often being </a:t>
+            </a:r>
             <a:r>
               <a:rPr b="0" lang="en-US" sz="2100" spc="-1" strike="noStrike">
                 <a:solidFill>
@@ -12429,7 +12618,17 @@
                 <a:latin typeface="Arial"/>
                 <a:ea typeface="JetBrains Mono"/>
               </a:rPr>
-              <a:t>By Edge – With this method, the two graphs are joined by an additional edge.  This helps to preserve the attributes of the original graphs into the resulting glues pseudo-tree, such as the Jacobian often being </a:t>
+              <a:t>	</a:t>
+            </a:r>
+            <a:r>
+              <a:rPr b="0" i="1" lang="en-US" sz="2100" spc="-1" strike="noStrike">
+                <a:solidFill>
+                  <a:srgbClr val="000000"/>
+                </a:solidFill>
+                <a:latin typeface="Arial"/>
+                <a:ea typeface="JetBrains Mono"/>
+              </a:rPr>
+              <a:t>Jac(cycle) x Jac(tree)</a:t>
             </a:r>
             <a:r>
               <a:rPr b="0" lang="en-US" sz="2100" spc="-1" strike="noStrike">
@@ -12439,27 +12638,7 @@
                 <a:latin typeface="Arial"/>
                 <a:ea typeface="JetBrains Mono"/>
               </a:rPr>
-              <a:t>	</a:t>
-            </a:r>
-            <a:r>
-              <a:rPr b="0" i="1" lang="en-US" sz="2100" spc="-1" strike="noStrike">
-                <a:solidFill>
-                  <a:srgbClr val="000000"/>
-                </a:solidFill>
-                <a:latin typeface="Arial"/>
-                <a:ea typeface="JetBrains Mono"/>
-              </a:rPr>
-              <a:t>Jac(cycle) x Jac(tree)</a:t>
-            </a:r>
-            <a:r>
-              <a:rPr b="0" lang="en-US" sz="2100" spc="-1" strike="noStrike">
-                <a:solidFill>
-                  <a:srgbClr val="000000"/>
-                </a:solidFill>
-                <a:latin typeface="Arial"/>
-                <a:ea typeface="JetBrains Mono"/>
-              </a:rPr>
-              <a:t>.</a:t>
+              <a:t>.  This is the method most useful to us.</a:t>
             </a:r>
             <a:endParaRPr b="0" lang="en-US" sz="2100" spc="-1" strike="noStrike">
               <a:latin typeface="Arial"/>
@@ -12499,7 +12678,7 @@
       </p:grpSpPr>
       <p:sp>
         <p:nvSpPr>
-          <p:cNvPr id="219" name="PlaceHolder 1"/>
+          <p:cNvPr id="226" name="PlaceHolder 1"/>
           <p:cNvSpPr>
             <a:spLocks noGrp="1"/>
           </p:cNvSpPr>
@@ -12510,7 +12689,7 @@
         <p:spPr>
           <a:xfrm>
             <a:off x="360000" y="-39960"/>
-            <a:ext cx="9357840" cy="1248480"/>
+            <a:ext cx="9357120" cy="1247760"/>
           </a:xfrm>
           <a:prstGeom prst="rect">
             <a:avLst/>
@@ -12548,7 +12727,7 @@
       </p:sp>
       <p:sp>
         <p:nvSpPr>
-          <p:cNvPr id="220" name="PlaceHolder 2"/>
+          <p:cNvPr id="227" name="PlaceHolder 2"/>
           <p:cNvSpPr>
             <a:spLocks noGrp="1"/>
           </p:cNvSpPr>
@@ -12559,7 +12738,7 @@
         <p:spPr>
           <a:xfrm>
             <a:off x="360000" y="1485000"/>
-            <a:ext cx="9468360" cy="3777840"/>
+            <a:ext cx="7869240" cy="3777120"/>
           </a:xfrm>
           <a:prstGeom prst="rect">
             <a:avLst/>
@@ -12620,7 +12799,7 @@
                 <a:latin typeface="Arial"/>
                 <a:ea typeface="JetBrains Mono"/>
               </a:rPr>
-              <a:t>Finalizing our methods for cycle graphs and trees.</a:t>
+              <a:t>Proving mathematically our methods for cycle graphs and trees.</a:t>
             </a:r>
             <a:endParaRPr b="0" lang="en-US" sz="2100" spc="-1" strike="noStrike">
               <a:latin typeface="Arial"/>
@@ -12678,7 +12857,47 @@
                 <a:latin typeface="Arial"/>
                 <a:ea typeface="JetBrains Mono"/>
               </a:rPr>
-              <a:t>Expanding our research to include complete and wheel graphs.</a:t>
+              <a:t>Expanding our research to include complete and wheel graphs.  For example, so far we have shown that the size of the Jacobian of some wheel graphs os size </a:t>
+            </a:r>
+            <a:r>
+              <a:rPr b="0" i="1" lang="en-US" sz="2100" spc="-1" strike="noStrike">
+                <a:solidFill>
+                  <a:srgbClr val="000000"/>
+                </a:solidFill>
+                <a:latin typeface="Arial"/>
+                <a:ea typeface="JetBrains Mono"/>
+              </a:rPr>
+              <a:t>n</a:t>
+            </a:r>
+            <a:r>
+              <a:rPr b="0" lang="en-US" sz="2100" spc="-1" strike="noStrike">
+                <a:solidFill>
+                  <a:srgbClr val="000000"/>
+                </a:solidFill>
+                <a:latin typeface="Arial"/>
+                <a:ea typeface="JetBrains Mono"/>
+              </a:rPr>
+              <a:t> is proportional to ϕ</a:t>
+            </a:r>
+            <a:r>
+              <a:rPr b="0" lang="en-US" sz="2100" spc="-1" strike="noStrike" baseline="33000">
+                <a:solidFill>
+                  <a:srgbClr val="000000"/>
+                </a:solidFill>
+                <a:latin typeface="Arial"/>
+                <a:ea typeface="JetBrains Mono"/>
+              </a:rPr>
+              <a:t>n</a:t>
+            </a:r>
+            <a:r>
+              <a:rPr b="0" lang="en-US" sz="2100" spc="-1" strike="noStrike">
+                <a:solidFill>
+                  <a:srgbClr val="000000"/>
+                </a:solidFill>
+                <a:latin typeface="Arial"/>
+                <a:ea typeface="JetBrains Mono"/>
+              </a:rPr>
+              <a:t>, where ϕ is the golden ratio.</a:t>
             </a:r>
             <a:endParaRPr b="0" lang="en-US" sz="2100" spc="-1" strike="noStrike">
               <a:latin typeface="Arial"/>
@@ -12686,6 +12905,52 @@
           </a:p>
         </p:txBody>
       </p:sp>
+      <p:pic>
+        <p:nvPicPr>
+          <p:cNvPr id="228" name="" descr=""/>
+          <p:cNvPicPr/>
+          <p:nvPr/>
+        </p:nvPicPr>
+        <p:blipFill>
+          <a:blip r:embed="rId1"/>
+          <a:stretch/>
+        </p:blipFill>
+        <p:spPr>
+          <a:xfrm>
+            <a:off x="8229600" y="2971800"/>
+            <a:ext cx="1828440" cy="1371240"/>
+          </a:xfrm>
+          <a:prstGeom prst="rect">
+            <a:avLst/>
+          </a:prstGeom>
+          <a:ln w="0">
+            <a:noFill/>
+          </a:ln>
+        </p:spPr>
+      </p:pic>
+      <p:pic>
+        <p:nvPicPr>
+          <p:cNvPr id="229" name="" descr=""/>
+          <p:cNvPicPr/>
+          <p:nvPr/>
+        </p:nvPicPr>
+        <p:blipFill>
+          <a:blip r:embed="rId2"/>
+          <a:stretch/>
+        </p:blipFill>
+        <p:spPr>
+          <a:xfrm>
+            <a:off x="8229600" y="1485000"/>
+            <a:ext cx="1828440" cy="1371240"/>
+          </a:xfrm>
+          <a:prstGeom prst="rect">
+            <a:avLst/>
+          </a:prstGeom>
+          <a:ln w="0">
+            <a:noFill/>
+          </a:ln>
+        </p:spPr>
+      </p:pic>
     </p:spTree>
   </p:cSld>
   <mc:AlternateContent>
@@ -12718,7 +12983,7 @@
       </p:grpSpPr>
       <p:sp>
         <p:nvSpPr>
-          <p:cNvPr id="221" name="PlaceHolder 1"/>
+          <p:cNvPr id="230" name="PlaceHolder 1"/>
           <p:cNvSpPr>
             <a:spLocks noGrp="1"/>
           </p:cNvSpPr>
@@ -12729,7 +12994,7 @@
         <p:spPr>
           <a:xfrm>
             <a:off x="360000" y="225720"/>
-            <a:ext cx="9357840" cy="716760"/>
+            <a:ext cx="9357120" cy="716040"/>
           </a:xfrm>
           <a:prstGeom prst="rect">
             <a:avLst/>
@@ -12767,7 +13032,7 @@
       </p:sp>
       <p:sp>
         <p:nvSpPr>
-          <p:cNvPr id="222" name="PlaceHolder 2"/>
+          <p:cNvPr id="231" name="PlaceHolder 2"/>
           <p:cNvSpPr>
             <a:spLocks noGrp="1"/>
           </p:cNvSpPr>
@@ -12778,7 +13043,7 @@
         <p:spPr>
           <a:xfrm>
             <a:off x="360000" y="1485000"/>
-            <a:ext cx="9357840" cy="3777840"/>
+            <a:ext cx="9357120" cy="3777120"/>
           </a:xfrm>
           <a:prstGeom prst="rect">
             <a:avLst/>
@@ -12868,7 +13133,7 @@
         <p:spPr>
           <a:xfrm>
             <a:off x="360000" y="225720"/>
-            <a:ext cx="9357840" cy="716760"/>
+            <a:ext cx="9357120" cy="716040"/>
           </a:xfrm>
           <a:prstGeom prst="rect">
             <a:avLst/>
@@ -12947,7 +13212,7 @@
         <p:spPr>
           <a:xfrm>
             <a:off x="360000" y="225720"/>
-            <a:ext cx="9357840" cy="716760"/>
+            <a:ext cx="9357120" cy="716040"/>
           </a:xfrm>
           <a:prstGeom prst="rect">
             <a:avLst/>
@@ -12996,7 +13261,7 @@
         <p:spPr>
           <a:xfrm>
             <a:off x="360000" y="1485000"/>
-            <a:ext cx="6497640" cy="3777840"/>
+            <a:ext cx="6496920" cy="3777120"/>
           </a:xfrm>
           <a:prstGeom prst="rect">
             <a:avLst/>
@@ -13029,7 +13294,7 @@
               <a:rPr b="0" lang="en-US" sz="3200" spc="-1" strike="noStrike">
                 <a:latin typeface="Arial"/>
               </a:rPr>
-              <a:t>The game that we have studied for our research is based upon graph theory.</a:t>
+              <a:t>In our research, we focus on chip firing games.  A game played on graphs, based upon graph theory.</a:t>
             </a:r>
             <a:endParaRPr b="0" lang="en-US" sz="3200" spc="-1" strike="noStrike">
               <a:latin typeface="Arial"/>
@@ -13099,8 +13364,8 @@
         </p:blipFill>
         <p:spPr>
           <a:xfrm>
-            <a:off x="6858000" y="2286000"/>
-            <a:ext cx="2971440" cy="2228040"/>
+            <a:off x="6796440" y="2057400"/>
+            <a:ext cx="3033360" cy="2275200"/>
           </a:xfrm>
           <a:prstGeom prst="rect">
             <a:avLst/>
@@ -13153,7 +13418,7 @@
         <p:spPr>
           <a:xfrm>
             <a:off x="360000" y="225720"/>
-            <a:ext cx="9357840" cy="716760"/>
+            <a:ext cx="9357120" cy="716040"/>
           </a:xfrm>
           <a:prstGeom prst="rect">
             <a:avLst/>
@@ -13202,7 +13467,7 @@
         <p:spPr>
           <a:xfrm>
             <a:off x="360000" y="1485000"/>
-            <a:ext cx="9357840" cy="3777840"/>
+            <a:ext cx="9357120" cy="3777120"/>
           </a:xfrm>
           <a:prstGeom prst="rect">
             <a:avLst/>
@@ -13260,7 +13525,7 @@
               <a:rPr b="0" lang="en-US" sz="3200" spc="-1" strike="noStrike">
                 <a:latin typeface="Arial"/>
               </a:rPr>
-              <a:t>During play, chips can be lent or borrowed at each node where one or more chips are either sent or received along each outgoing edge equally.  </a:t>
+              <a:t>During play, chips can be lent or borrowed at each node where one or more chips are either sent or received along each edge equally.  </a:t>
             </a:r>
             <a:endParaRPr b="0" lang="en-US" sz="3200" spc="-1" strike="noStrike">
               <a:latin typeface="Arial"/>
@@ -13361,7 +13626,7 @@
         <p:spPr>
           <a:xfrm>
             <a:off x="360000" y="225720"/>
-            <a:ext cx="9357840" cy="716760"/>
+            <a:ext cx="9357120" cy="716040"/>
           </a:xfrm>
           <a:prstGeom prst="rect">
             <a:avLst/>
@@ -13409,8 +13674,8 @@
         </p:blipFill>
         <p:spPr>
           <a:xfrm>
-            <a:off x="2057400" y="2286000"/>
-            <a:ext cx="6198480" cy="1788480"/>
+            <a:off x="685800" y="2057400"/>
+            <a:ext cx="8574840" cy="2473560"/>
           </a:xfrm>
           <a:prstGeom prst="rect">
             <a:avLst/>
@@ -13463,7 +13728,7 @@
         <p:spPr>
           <a:xfrm>
             <a:off x="360000" y="-39960"/>
-            <a:ext cx="9357840" cy="1248480"/>
+            <a:ext cx="9357120" cy="1247760"/>
           </a:xfrm>
           <a:prstGeom prst="rect">
             <a:avLst/>
@@ -13512,7 +13777,7 @@
         <p:spPr>
           <a:xfrm>
             <a:off x="360000" y="1485000"/>
-            <a:ext cx="9468360" cy="3777840"/>
+            <a:ext cx="9467640" cy="3777120"/>
           </a:xfrm>
           <a:prstGeom prst="rect">
             <a:avLst/>
@@ -13578,7 +13843,7 @@
                 <a:latin typeface="Arial"/>
                 <a:ea typeface="JetBrains Mono"/>
               </a:rPr>
-              <a:t>A notable usage of these games is in economics, where these games, especially the directed variants can be used to model the flow of money.</a:t>
+              <a:t>A notable usage of these games is in economics, where these games, especially the directed variants can be used to model the flow of money or assets from one entity to another.</a:t>
             </a:r>
             <a:endParaRPr b="0" lang="en-US" sz="2100" spc="-1" strike="noStrike">
               <a:latin typeface="Arial"/>
@@ -13627,7 +13892,7 @@
                 <a:latin typeface="Arial"/>
                 <a:ea typeface="JetBrains Mono"/>
               </a:rPr>
-              <a:t> where armies are sent to neutralize neighboring enemies until the game is won when no other enemies are on the board.</a:t>
+              <a:t> where armies are sent to neutralize neighboring enemies until the game is won when no other enemies are on the board, similarly to how the game is won once all negative values of chips are eliminated.</a:t>
             </a:r>
             <a:endParaRPr b="0" lang="en-US" sz="2100" spc="-1" strike="noStrike">
               <a:latin typeface="Arial"/>
@@ -13678,7 +13943,7 @@
         <p:spPr>
           <a:xfrm>
             <a:off x="360000" y="1485000"/>
-            <a:ext cx="9357840" cy="3777840"/>
+            <a:ext cx="9357120" cy="3777120"/>
           </a:xfrm>
           <a:prstGeom prst="rect">
             <a:avLst/>
@@ -13690,7 +13955,7 @@
         </p:spPr>
         <p:txBody>
           <a:bodyPr lIns="0" rIns="0" tIns="0" bIns="0" anchor="t">
-            <a:normAutofit fontScale="72000"/>
+            <a:normAutofit fontScale="69000"/>
           </a:bodyPr>
           <a:p>
             <a:pPr marL="432000" indent="-324000">
@@ -13768,28 +14033,42 @@
                 <a:latin typeface="Arial"/>
                 <a:ea typeface="Noto Sans CJK SC"/>
               </a:rPr>
-              <a:t> integers long</a:t>
+              <a:t> integers long where </a:t>
+            </a:r>
+            <a:r>
+              <a:rPr b="0" i="1" lang="en-US" sz="3200" spc="-1" strike="noStrike">
+                <a:latin typeface="Arial"/>
+                <a:ea typeface="Noto Sans CJK SC"/>
+              </a:rPr>
+              <a:t>n</a:t>
             </a:r>
             <a:r>
               <a:rPr b="0" lang="en-US" sz="3200" spc="-1" strike="noStrike">
                 <a:latin typeface="Arial"/>
                 <a:ea typeface="Noto Sans CJK SC"/>
               </a:rPr>
-              <a:t> where </a:t>
+              <a:t> is the number of vertices in the graph.  The </a:t>
             </a:r>
             <a:r>
               <a:rPr b="0" i="1" lang="en-US" sz="3200" spc="-1" strike="noStrike">
                 <a:latin typeface="Arial"/>
                 <a:ea typeface="Noto Sans CJK SC"/>
               </a:rPr>
-              <a:t>n</a:t>
+              <a:t>i</a:t>
+            </a:r>
+            <a:r>
+              <a:rPr b="0" i="1" lang="en-US" sz="3200" spc="-1" strike="noStrike" baseline="33000">
+                <a:latin typeface="Arial"/>
+                <a:ea typeface="Noto Sans CJK SC"/>
+              </a:rPr>
+              <a:t>th</a:t>
             </a:r>
             <a:r>
               <a:rPr b="0" lang="en-US" sz="3200" spc="-1" strike="noStrike">
                 <a:latin typeface="Arial"/>
                 <a:ea typeface="Noto Sans CJK SC"/>
               </a:rPr>
-              <a:t> is the number of vertices in the graph.  The </a:t>
+              <a:t> element of this vector is the number of chips on the </a:t>
             </a:r>
             <a:r>
               <a:rPr b="0" i="1" lang="en-US" sz="3200" spc="-1" strike="noStrike">
@@ -13803,49 +14082,14 @@
                 <a:latin typeface="Arial"/>
                 <a:ea typeface="Noto Sans CJK SC"/>
               </a:rPr>
-              <a:t>th</a:t>
+              <a:t>th </a:t>
             </a:r>
             <a:r>
               <a:rPr b="0" lang="en-US" sz="3200" spc="-1" strike="noStrike">
                 <a:latin typeface="Arial"/>
                 <a:ea typeface="Noto Sans CJK SC"/>
               </a:rPr>
-              <a:t> element of </a:t>
-            </a:r>
-            <a:r>
-              <a:rPr b="0" lang="en-US" sz="3200" spc="-1" strike="noStrike">
-                <a:latin typeface="Arial"/>
-                <a:ea typeface="Noto Sans CJK SC"/>
-              </a:rPr>
-              <a:t>this vector</a:t>
-            </a:r>
-            <a:r>
-              <a:rPr b="0" lang="en-US" sz="3200" spc="-1" strike="noStrike">
-                <a:latin typeface="Arial"/>
-                <a:ea typeface="Noto Sans CJK SC"/>
-              </a:rPr>
-              <a:t> is the number of chips on the </a:t>
-            </a:r>
-            <a:r>
-              <a:rPr b="0" i="1" lang="en-US" sz="3200" spc="-1" strike="noStrike">
-                <a:latin typeface="Arial"/>
-                <a:ea typeface="Noto Sans CJK SC"/>
-              </a:rPr>
-              <a:t>i</a:t>
-            </a:r>
-            <a:r>
-              <a:rPr b="0" i="1" lang="en-US" sz="3200" spc="-1" strike="noStrike" baseline="33000">
-                <a:latin typeface="Arial"/>
-                <a:ea typeface="Noto Sans CJK SC"/>
-              </a:rPr>
-              <a:t>th </a:t>
-            </a:r>
-            <a:r>
-              <a:rPr b="0" lang="en-US" sz="3200" spc="-1" strike="noStrike">
-                <a:latin typeface="Arial"/>
-                <a:ea typeface="Noto Sans CJK SC"/>
-              </a:rPr>
-              <a:t>vertex of the graph.  </a:t>
+              <a:t>vertex of the graph.  Divisors are a simple way to represent the state of a game mathematically.</a:t>
             </a:r>
             <a:endParaRPr b="0" lang="en-US" sz="3200" spc="-1" strike="noStrike">
               <a:latin typeface="Arial"/>
@@ -13967,7 +14211,7 @@
         <p:spPr>
           <a:xfrm>
             <a:off x="360000" y="225720"/>
-            <a:ext cx="9357840" cy="716760"/>
+            <a:ext cx="9357120" cy="716040"/>
           </a:xfrm>
           <a:prstGeom prst="rect">
             <a:avLst/>
@@ -14046,7 +14290,7 @@
         <p:spPr>
           <a:xfrm>
             <a:off x="360000" y="225720"/>
-            <a:ext cx="9357840" cy="716760"/>
+            <a:ext cx="9357120" cy="716040"/>
           </a:xfrm>
           <a:prstGeom prst="rect">
             <a:avLst/>
@@ -14095,7 +14339,7 @@
         <p:spPr>
           <a:xfrm>
             <a:off x="1022400" y="1509840"/>
-            <a:ext cx="4690800" cy="3517560"/>
+            <a:ext cx="4690080" cy="3516840"/>
           </a:xfrm>
           <a:prstGeom prst="rect">
             <a:avLst/>
@@ -14118,7 +14362,7 @@
         <p:spPr>
           <a:xfrm>
             <a:off x="360000" y="2507760"/>
-            <a:ext cx="1467000" cy="1605240"/>
+            <a:ext cx="1466280" cy="1604520"/>
           </a:xfrm>
           <a:prstGeom prst="rect">
             <a:avLst/>
@@ -14160,7 +14404,7 @@
         <p:spPr>
           <a:xfrm>
             <a:off x="5486400" y="1828800"/>
-            <a:ext cx="4341600" cy="1482840"/>
+            <a:ext cx="4340880" cy="1482120"/>
           </a:xfrm>
           <a:prstGeom prst="rect">
             <a:avLst/>
@@ -14237,119 +14481,329 @@
                 <a:latin typeface="Arial"/>
                 <a:ea typeface="JetBrains Mono"/>
               </a:rPr>
-              <a:t>D=</a:t>
+              <a:t>D=[</a:t>
             </a:r>
             <a:r>
               <a:rPr b="0" lang="en-US" sz="3200" spc="-1" strike="noStrike">
                 <a:solidFill>
-                  <a:srgbClr val="a9b7c6"/>
+                  <a:srgbClr val="3465a4"/>
                 </a:solidFill>
                 <a:latin typeface="Arial"/>
                 <a:ea typeface="JetBrains Mono"/>
               </a:rPr>
-              <a:t>[</a:t>
+              <a:t>16</a:t>
             </a:r>
             <a:r>
               <a:rPr b="0" lang="en-US" sz="3200" spc="-1" strike="noStrike">
                 <a:solidFill>
-                  <a:srgbClr val="2abadb"/>
+                  <a:srgbClr val="000000"/>
                 </a:solidFill>
                 <a:latin typeface="Arial"/>
                 <a:ea typeface="JetBrains Mono"/>
               </a:rPr>
-              <a:t>16</a:t>
+              <a:t>, </a:t>
             </a:r>
             <a:r>
               <a:rPr b="0" lang="en-US" sz="3200" spc="-1" strike="noStrike">
                 <a:solidFill>
-                  <a:srgbClr val="4a4df3"/>
+                  <a:srgbClr val="3465a4"/>
                 </a:solidFill>
                 <a:latin typeface="Arial"/>
                 <a:ea typeface="JetBrains Mono"/>
               </a:rPr>
-              <a:t>, </a:t>
+              <a:t>-4</a:t>
             </a:r>
             <a:r>
               <a:rPr b="0" lang="en-US" sz="3200" spc="-1" strike="noStrike">
                 <a:solidFill>
-                  <a:srgbClr val="a9b7c6"/>
+                  <a:srgbClr val="000000"/>
                 </a:solidFill>
                 <a:latin typeface="Arial"/>
                 <a:ea typeface="JetBrains Mono"/>
               </a:rPr>
-              <a:t>-</a:t>
+              <a:t>, </a:t>
             </a:r>
             <a:r>
               <a:rPr b="0" lang="en-US" sz="3200" spc="-1" strike="noStrike">
                 <a:solidFill>
-                  <a:srgbClr val="2abadb"/>
+                  <a:srgbClr val="3465a4"/>
                 </a:solidFill>
                 <a:latin typeface="Arial"/>
                 <a:ea typeface="JetBrains Mono"/>
               </a:rPr>
-              <a:t>4</a:t>
+              <a:t>-5</a:t>
             </a:r>
             <a:r>
               <a:rPr b="0" lang="en-US" sz="3200" spc="-1" strike="noStrike">
                 <a:solidFill>
-                  <a:srgbClr val="4a4df3"/>
+                  <a:srgbClr val="000000"/>
                 </a:solidFill>
                 <a:latin typeface="Arial"/>
                 <a:ea typeface="JetBrains Mono"/>
               </a:rPr>
-              <a:t>, </a:t>
+              <a:t>,</a:t>
             </a:r>
             <a:r>
               <a:rPr b="0" lang="en-US" sz="3200" spc="-1" strike="noStrike">
                 <a:solidFill>
-                  <a:srgbClr val="a9b7c6"/>
+                  <a:srgbClr val="3465a4"/>
                 </a:solidFill>
                 <a:latin typeface="Arial"/>
                 <a:ea typeface="JetBrains Mono"/>
               </a:rPr>
-              <a:t>-</a:t>
+              <a:t>0</a:t>
             </a:r>
             <a:r>
               <a:rPr b="0" lang="en-US" sz="3200" spc="-1" strike="noStrike">
                 <a:solidFill>
-                  <a:srgbClr val="2abadb"/>
+                  <a:srgbClr val="000000"/>
                 </a:solidFill>
                 <a:latin typeface="Arial"/>
                 <a:ea typeface="JetBrains Mono"/>
               </a:rPr>
-              <a:t>5</a:t>
-            </a:r>
-            <a:r>
-              <a:rPr b="0" lang="en-US" sz="3200" spc="-1" strike="noStrike">
-                <a:solidFill>
-                  <a:srgbClr val="4a4df3"/>
-                </a:solidFill>
-                <a:latin typeface="Arial"/>
-                <a:ea typeface="JetBrains Mono"/>
-              </a:rPr>
-              <a:t>,</a:t>
-            </a:r>
-            <a:r>
-              <a:rPr b="0" lang="en-US" sz="3200" spc="-1" strike="noStrike">
-                <a:solidFill>
-                  <a:srgbClr val="2abadb"/>
-                </a:solidFill>
-                <a:latin typeface="Arial"/>
-                <a:ea typeface="JetBrains Mono"/>
-              </a:rPr>
-              <a:t>0</a:t>
-            </a:r>
-            <a:r>
-              <a:rPr b="0" lang="en-US" sz="3200" spc="-1" strike="noStrike">
-                <a:solidFill>
-                  <a:srgbClr val="a9b7c6"/>
-                </a:solidFill>
-                <a:latin typeface="Arial"/>
-                <a:ea typeface="JetBrains Mono"/>
-              </a:rPr>
               <a:t>]</a:t>
             </a:r>
             <a:endParaRPr b="0" lang="en-US" sz="3200" spc="-1" strike="noStrike">
+              <a:latin typeface="Arial"/>
+            </a:endParaRPr>
+          </a:p>
+        </p:txBody>
+      </p:sp>
+      <p:sp>
+        <p:nvSpPr>
+          <p:cNvPr id="193" name=""/>
+          <p:cNvSpPr/>
+          <p:nvPr/>
+        </p:nvSpPr>
+        <p:spPr>
+          <a:xfrm>
+            <a:off x="1371600" y="4572000"/>
+            <a:ext cx="1142640" cy="429840"/>
+          </a:xfrm>
+          <a:prstGeom prst="rect">
+            <a:avLst/>
+          </a:prstGeom>
+          <a:noFill/>
+          <a:ln w="0">
+            <a:noFill/>
+          </a:ln>
+        </p:spPr>
+        <p:style>
+          <a:lnRef idx="0"/>
+          <a:fillRef idx="0"/>
+          <a:effectRef idx="0"/>
+          <a:fontRef idx="minor"/>
+        </p:style>
+        <p:txBody>
+          <a:bodyPr lIns="90000" rIns="90000" tIns="45000" bIns="45000" anchor="t">
+            <a:noAutofit/>
+          </a:bodyPr>
+          <a:p>
+            <a:pPr>
+              <a:lnSpc>
+                <a:spcPct val="100000"/>
+              </a:lnSpc>
+              <a:buNone/>
+            </a:pPr>
+            <a:r>
+              <a:rPr b="0" lang="en-US" sz="2400" spc="-1" strike="noStrike">
+                <a:latin typeface="Arial"/>
+              </a:rPr>
+              <a:t>V</a:t>
+            </a:r>
+            <a:r>
+              <a:rPr b="0" lang="en-US" sz="2400" spc="-1" strike="noStrike" baseline="-8000">
+                <a:latin typeface="Arial"/>
+              </a:rPr>
+              <a:t>1 </a:t>
+            </a:r>
+            <a:r>
+              <a:rPr b="0" lang="en-US" sz="2400" spc="-1" strike="noStrike">
+                <a:latin typeface="Arial"/>
+              </a:rPr>
+              <a:t>= -4</a:t>
+            </a:r>
+            <a:endParaRPr b="0" lang="en-US" sz="2400" spc="-1" strike="noStrike">
+              <a:latin typeface="Arial"/>
+            </a:endParaRPr>
+          </a:p>
+        </p:txBody>
+      </p:sp>
+      <p:sp>
+        <p:nvSpPr>
+          <p:cNvPr id="194" name=""/>
+          <p:cNvSpPr/>
+          <p:nvPr/>
+        </p:nvSpPr>
+        <p:spPr>
+          <a:xfrm>
+            <a:off x="1600200" y="2541600"/>
+            <a:ext cx="1142640" cy="429840"/>
+          </a:xfrm>
+          <a:prstGeom prst="rect">
+            <a:avLst/>
+          </a:prstGeom>
+          <a:noFill/>
+          <a:ln w="0">
+            <a:noFill/>
+          </a:ln>
+        </p:spPr>
+        <p:style>
+          <a:lnRef idx="0"/>
+          <a:fillRef idx="0"/>
+          <a:effectRef idx="0"/>
+          <a:fontRef idx="minor"/>
+        </p:style>
+        <p:txBody>
+          <a:bodyPr lIns="90000" rIns="90000" tIns="45000" bIns="45000" anchor="t">
+            <a:noAutofit/>
+          </a:bodyPr>
+          <a:p>
+            <a:pPr>
+              <a:lnSpc>
+                <a:spcPct val="100000"/>
+              </a:lnSpc>
+              <a:buNone/>
+            </a:pPr>
+            <a:r>
+              <a:rPr b="0" lang="en-US" sz="2400" spc="-1" strike="noStrike">
+                <a:latin typeface="Arial"/>
+              </a:rPr>
+              <a:t>V</a:t>
+            </a:r>
+            <a:r>
+              <a:rPr b="0" lang="en-US" sz="2400" spc="-1" strike="noStrike" baseline="-8000">
+                <a:latin typeface="Arial"/>
+              </a:rPr>
+              <a:t>0 </a:t>
+            </a:r>
+            <a:r>
+              <a:rPr b="0" lang="en-US" sz="2400" spc="-1" strike="noStrike">
+                <a:latin typeface="Arial"/>
+              </a:rPr>
+              <a:t>= 16</a:t>
+            </a:r>
+            <a:endParaRPr b="0" lang="en-US" sz="2400" spc="-1" strike="noStrike">
+              <a:latin typeface="Arial"/>
+            </a:endParaRPr>
+          </a:p>
+        </p:txBody>
+      </p:sp>
+      <p:sp>
+        <p:nvSpPr>
+          <p:cNvPr id="195" name=""/>
+          <p:cNvSpPr/>
+          <p:nvPr/>
+        </p:nvSpPr>
+        <p:spPr>
+          <a:xfrm>
+            <a:off x="3657600" y="2084400"/>
+            <a:ext cx="1142640" cy="429840"/>
+          </a:xfrm>
+          <a:prstGeom prst="rect">
+            <a:avLst/>
+          </a:prstGeom>
+          <a:noFill/>
+          <a:ln w="0">
+            <a:noFill/>
+          </a:ln>
+        </p:spPr>
+        <p:style>
+          <a:lnRef idx="0"/>
+          <a:fillRef idx="0"/>
+          <a:effectRef idx="0"/>
+          <a:fontRef idx="minor"/>
+        </p:style>
+        <p:txBody>
+          <a:bodyPr lIns="90000" rIns="90000" tIns="45000" bIns="45000" anchor="t">
+            <a:noAutofit/>
+          </a:bodyPr>
+          <a:p>
+            <a:pPr>
+              <a:lnSpc>
+                <a:spcPct val="100000"/>
+              </a:lnSpc>
+              <a:buNone/>
+            </a:pPr>
+            <a:r>
+              <a:rPr b="0" lang="en-US" sz="2400" spc="-1" strike="noStrike">
+                <a:latin typeface="Arial"/>
+              </a:rPr>
+              <a:t>V</a:t>
+            </a:r>
+            <a:r>
+              <a:rPr b="0" lang="en-US" sz="2400" spc="-1" strike="noStrike" baseline="-8000">
+                <a:latin typeface="Arial"/>
+              </a:rPr>
+              <a:t>3 </a:t>
+            </a:r>
+            <a:r>
+              <a:rPr b="0" lang="en-US" sz="2400" spc="-1" strike="noStrike">
+                <a:latin typeface="Arial"/>
+              </a:rPr>
+              <a:t>= 0</a:t>
+            </a:r>
+            <a:endParaRPr b="0" lang="en-US" sz="2400" spc="-1" strike="noStrike">
+              <a:latin typeface="Arial"/>
+            </a:endParaRPr>
+          </a:p>
+        </p:txBody>
+      </p:sp>
+      <p:sp>
+        <p:nvSpPr>
+          <p:cNvPr id="196" name=""/>
+          <p:cNvSpPr/>
+          <p:nvPr/>
+        </p:nvSpPr>
+        <p:spPr>
+          <a:xfrm>
+            <a:off x="4572000" y="4599000"/>
+            <a:ext cx="1142640" cy="429840"/>
+          </a:xfrm>
+          <a:prstGeom prst="rect">
+            <a:avLst/>
+          </a:prstGeom>
+          <a:noFill/>
+          <a:ln w="0">
+            <a:noFill/>
+          </a:ln>
+        </p:spPr>
+        <p:style>
+          <a:lnRef idx="0"/>
+          <a:fillRef idx="0"/>
+          <a:effectRef idx="0"/>
+          <a:fontRef idx="minor"/>
+        </p:style>
+        <p:txBody>
+          <a:bodyPr lIns="90000" rIns="90000" tIns="45000" bIns="45000" anchor="t">
+            <a:noAutofit/>
+          </a:bodyPr>
+          <a:p>
+            <a:pPr>
+              <a:lnSpc>
+                <a:spcPct val="100000"/>
+              </a:lnSpc>
+              <a:buNone/>
+            </a:pPr>
+            <a:r>
+              <a:rPr b="0" lang="en-US" sz="2400" spc="-1" strike="noStrike">
+                <a:latin typeface="Arial"/>
+              </a:rPr>
+              <a:t>V</a:t>
+            </a:r>
+            <a:r>
+              <a:rPr b="0" lang="en-US" sz="2400" spc="-1" strike="noStrike" baseline="-8000">
+                <a:latin typeface="Arial"/>
+              </a:rPr>
+              <a:t>2 </a:t>
+            </a:r>
+            <a:r>
+              <a:rPr b="0" lang="en-US" sz="2400" spc="-1" strike="noStrike">
+                <a:latin typeface="Arial"/>
+              </a:rPr>
+              <a:t>= -5</a:t>
+            </a:r>
+            <a:endParaRPr b="0" lang="en-US" sz="2400" spc="-1" strike="noStrike">
               <a:latin typeface="Arial"/>
             </a:endParaRPr>
           </a:p>
@@ -14387,7 +14841,7 @@
       </p:grpSpPr>
       <p:sp>
         <p:nvSpPr>
-          <p:cNvPr id="193" name="PlaceHolder 1"/>
+          <p:cNvPr id="197" name="PlaceHolder 1"/>
           <p:cNvSpPr>
             <a:spLocks noGrp="1"/>
           </p:cNvSpPr>
@@ -14398,7 +14852,7 @@
         <p:spPr>
           <a:xfrm>
             <a:off x="360000" y="225720"/>
-            <a:ext cx="9357840" cy="716760"/>
+            <a:ext cx="9357120" cy="716040"/>
           </a:xfrm>
           <a:prstGeom prst="rect">
             <a:avLst/>
@@ -14436,7 +14890,7 @@
       </p:sp>
       <p:sp>
         <p:nvSpPr>
-          <p:cNvPr id="194" name="PlaceHolder 2"/>
+          <p:cNvPr id="198" name="PlaceHolder 2"/>
           <p:cNvSpPr>
             <a:spLocks noGrp="1"/>
           </p:cNvSpPr>
@@ -14447,7 +14901,7 @@
         <p:spPr>
           <a:xfrm>
             <a:off x="360000" y="1485000"/>
-            <a:ext cx="9357840" cy="3777840"/>
+            <a:ext cx="9357120" cy="3777120"/>
           </a:xfrm>
           <a:prstGeom prst="rect">
             <a:avLst/>
@@ -14459,7 +14913,7 @@
         </p:spPr>
         <p:txBody>
           <a:bodyPr lIns="0" rIns="0" tIns="0" bIns="0" anchor="t">
-            <a:normAutofit fontScale="70000"/>
+            <a:normAutofit fontScale="68000"/>
           </a:bodyPr>
           <a:p>
             <a:pPr marL="432000" indent="-324000">
@@ -14479,44 +14933,57 @@
             <a:r>
               <a:rPr b="0" lang="en-US" sz="3200" spc="-1" strike="noStrike">
                 <a:latin typeface="Arial"/>
+                <a:ea typeface="Noto Sans CJK SC"/>
               </a:rPr>
               <a:t>The </a:t>
             </a:r>
             <a:r>
               <a:rPr b="1" lang="en-US" sz="3200" spc="-1" strike="noStrike">
                 <a:latin typeface="Arial"/>
+                <a:ea typeface="Noto Sans CJK SC"/>
               </a:rPr>
               <a:t>Picard Group</a:t>
             </a:r>
             <a:r>
               <a:rPr b="0" lang="en-US" sz="3200" spc="-1" strike="noStrike">
                 <a:latin typeface="Arial"/>
+                <a:ea typeface="Noto Sans CJK SC"/>
               </a:rPr>
               <a:t> of a graph, </a:t>
             </a:r>
             <a:r>
               <a:rPr b="0" i="1" lang="en-US" sz="3200" spc="-1" strike="noStrike">
                 <a:latin typeface="Arial"/>
+                <a:ea typeface="Noto Sans CJK SC"/>
               </a:rPr>
               <a:t>Pic(G)</a:t>
             </a:r>
             <a:r>
               <a:rPr b="0" lang="en-US" sz="3200" spc="-1" strike="noStrike">
                 <a:latin typeface="Arial"/>
+                <a:ea typeface="Noto Sans CJK SC"/>
               </a:rPr>
               <a:t>, is the set of all equivalence classes that the divisors of that graph </a:t>
             </a:r>
             <a:r>
               <a:rPr b="0" i="1" lang="en-US" sz="3200" spc="-1" strike="noStrike">
                 <a:latin typeface="Arial"/>
+                <a:ea typeface="Noto Sans CJK SC"/>
               </a:rPr>
               <a:t>G </a:t>
             </a:r>
             <a:r>
               <a:rPr b="0" lang="en-US" sz="3200" spc="-1" strike="noStrike">
                 <a:latin typeface="Arial"/>
-              </a:rPr>
-              <a:t>can be a part of.  The larger the size of the Picard Group, the more ways a game can be played.  It describes every state of the game from every initial distribution of chips.</a:t>
+                <a:ea typeface="Noto Sans CJK SC"/>
+              </a:rPr>
+              <a:t>can be a part of.  It describes every state of the game that can arise from every initial distribution of chips.  </a:t>
+            </a:r>
+            <a:r>
+              <a:rPr b="0" lang="en-US" sz="3200" spc="-1" strike="noStrike">
+                <a:latin typeface="Arial"/>
+              </a:rPr>
+              <a:t>The larger the size of the Picard Group, the more ways a game can be played.</a:t>
             </a:r>
             <a:endParaRPr b="0" lang="en-US" sz="3200" spc="-1" strike="noStrike">
               <a:latin typeface="Arial"/>
@@ -14577,7 +15044,7 @@
               <a:rPr b="0" lang="en-US" sz="3200" spc="-1" strike="noStrike">
                 <a:latin typeface="Arial"/>
               </a:rPr>
-              <a:t> such that every divisor in each equivalency classes in </a:t>
+              <a:t> such that every divisor in each element of </a:t>
             </a:r>
             <a:r>
               <a:rPr b="0" i="1" lang="en-US" sz="3200" spc="-1" strike="noStrike">
@@ -14589,7 +15056,7 @@
               <a:rPr b="0" lang="en-US" sz="3200" spc="-1" strike="noStrike">
                 <a:latin typeface="Arial"/>
               </a:rPr>
-              <a:t> have a distribution of chips that sum to zero</a:t>
+              <a:t> has a distribution of chips that sum to zero; the positive and negative chips balance out</a:t>
             </a:r>
             <a:r>
               <a:rPr b="0" i="1" lang="en-US" sz="3200" spc="-1" strike="noStrike">
